--- a/Capstone Project 21-2-R-13.pptx
+++ b/Capstone Project 21-2-R-13.pptx
@@ -1736,7 +1736,7 @@
           <a:p>
             <a:fld id="{1BE26619-FD3A-4BBF-A2A0-E1FBB680C651}" type="datetime8">
               <a:rPr lang="en-IL" smtClean="0"/>
-              <a:t>09/01/2022 22:39</a:t>
+              <a:t>09/01/2022 23:32</a:t>
             </a:fld>
             <a:endParaRPr lang="en-IL"/>
           </a:p>
@@ -2074,7 +2074,7 @@
           <a:p>
             <a:fld id="{043AD88C-4040-405A-9751-C4BF118224B0}" type="datetime8">
               <a:rPr lang="en-IL" smtClean="0"/>
-              <a:t>09/01/2022 22:39</a:t>
+              <a:t>09/01/2022 23:32</a:t>
             </a:fld>
             <a:endParaRPr lang="en-IL"/>
           </a:p>
@@ -2475,7 +2475,7 @@
           <a:p>
             <a:fld id="{23D500A4-73D1-4765-9761-2171A5F34B86}" type="datetime8">
               <a:rPr lang="en-IL" smtClean="0"/>
-              <a:t>09/01/2022 22:39</a:t>
+              <a:t>09/01/2022 23:32</a:t>
             </a:fld>
             <a:endParaRPr lang="en-IL"/>
           </a:p>
@@ -2811,7 +2811,7 @@
           <a:p>
             <a:fld id="{E7186253-7975-497A-8639-DE84354A30E0}" type="datetime8">
               <a:rPr lang="en-IL" smtClean="0"/>
-              <a:t>09/01/2022 22:39</a:t>
+              <a:t>09/01/2022 23:32</a:t>
             </a:fld>
             <a:endParaRPr lang="en-IL"/>
           </a:p>
@@ -3131,7 +3131,7 @@
           <a:p>
             <a:fld id="{15492DBE-8243-4A39-96F3-12997C00B46B}" type="datetime8">
               <a:rPr lang="en-IL" smtClean="0"/>
-              <a:t>09/01/2022 22:39</a:t>
+              <a:t>09/01/2022 23:32</a:t>
             </a:fld>
             <a:endParaRPr lang="en-IL"/>
           </a:p>
@@ -3527,7 +3527,7 @@
           <a:p>
             <a:fld id="{287E2476-741B-49AF-89E1-F690C9A1F98F}" type="datetime8">
               <a:rPr lang="en-IL" smtClean="0"/>
-              <a:t>09/01/2022 22:39</a:t>
+              <a:t>09/01/2022 23:32</a:t>
             </a:fld>
             <a:endParaRPr lang="en-IL"/>
           </a:p>
@@ -3784,7 +3784,7 @@
           <a:p>
             <a:fld id="{98B16C9C-E3F4-4EA7-AC43-9DA86201FB2E}" type="datetime8">
               <a:rPr lang="en-IL" smtClean="0"/>
-              <a:t>09/01/2022 22:39</a:t>
+              <a:t>09/01/2022 23:32</a:t>
             </a:fld>
             <a:endParaRPr lang="en-IL"/>
           </a:p>
@@ -4046,7 +4046,7 @@
           <a:p>
             <a:fld id="{45BD3651-09F9-4C26-BCD8-A9C0F8B0946D}" type="datetime8">
               <a:rPr lang="en-IL" smtClean="0"/>
-              <a:t>09/01/2022 22:39</a:t>
+              <a:t>09/01/2022 23:32</a:t>
             </a:fld>
             <a:endParaRPr lang="en-IL"/>
           </a:p>
@@ -4308,7 +4308,7 @@
           <a:p>
             <a:fld id="{9D5CA641-8483-4D6B-95CE-3B4ACCED688D}" type="datetime8">
               <a:rPr lang="en-IL" smtClean="0"/>
-              <a:t>09/01/2022 22:39</a:t>
+              <a:t>09/01/2022 23:32</a:t>
             </a:fld>
             <a:endParaRPr lang="en-IL"/>
           </a:p>
@@ -4637,7 +4637,7 @@
           <a:p>
             <a:fld id="{A9E8FF0D-8981-46D5-A7A6-FAB6F51C94F1}" type="datetime8">
               <a:rPr lang="en-IL" smtClean="0"/>
-              <a:t>09/01/2022 22:39</a:t>
+              <a:t>09/01/2022 23:32</a:t>
             </a:fld>
             <a:endParaRPr lang="en-IL"/>
           </a:p>
@@ -4960,7 +4960,7 @@
           <a:p>
             <a:fld id="{84541FD9-12BD-44A4-BE63-EB2FB53ED75B}" type="datetime8">
               <a:rPr lang="en-IL" smtClean="0"/>
-              <a:t>09/01/2022 22:39</a:t>
+              <a:t>09/01/2022 23:32</a:t>
             </a:fld>
             <a:endParaRPr lang="en-IL"/>
           </a:p>
@@ -5417,7 +5417,7 @@
           <a:p>
             <a:fld id="{8B725A0C-0C91-4B28-A2AC-A2D8264CCDD6}" type="datetime8">
               <a:rPr lang="en-IL" smtClean="0"/>
-              <a:t>09/01/2022 22:39</a:t>
+              <a:t>09/01/2022 23:32</a:t>
             </a:fld>
             <a:endParaRPr lang="en-IL"/>
           </a:p>
@@ -5622,7 +5622,7 @@
           <a:p>
             <a:fld id="{DE1E5A11-9D79-4A6B-8D28-6E8FAB494B73}" type="datetime8">
               <a:rPr lang="en-IL" smtClean="0"/>
-              <a:t>09/01/2022 22:39</a:t>
+              <a:t>09/01/2022 23:32</a:t>
             </a:fld>
             <a:endParaRPr lang="en-IL"/>
           </a:p>
@@ -5799,7 +5799,7 @@
           <a:p>
             <a:fld id="{9F9C72A4-4A29-4B20-BFB4-785E6F7B8515}" type="datetime8">
               <a:rPr lang="en-IL" smtClean="0"/>
-              <a:t>09/01/2022 22:39</a:t>
+              <a:t>09/01/2022 23:32</a:t>
             </a:fld>
             <a:endParaRPr lang="en-IL"/>
           </a:p>
@@ -6132,7 +6132,7 @@
           <a:p>
             <a:fld id="{01E4CC4F-14FD-4F83-A5BD-D137CE77FB06}" type="datetime8">
               <a:rPr lang="en-IL" smtClean="0"/>
-              <a:t>09/01/2022 22:39</a:t>
+              <a:t>09/01/2022 23:32</a:t>
             </a:fld>
             <a:endParaRPr lang="en-IL"/>
           </a:p>
@@ -6477,7 +6477,7 @@
           <a:p>
             <a:fld id="{4CBEB50E-AF71-476A-A62B-381B28A5D93A}" type="datetime8">
               <a:rPr lang="en-IL" smtClean="0"/>
-              <a:t>09/01/2022 22:39</a:t>
+              <a:t>09/01/2022 23:32</a:t>
             </a:fld>
             <a:endParaRPr lang="en-IL"/>
           </a:p>
@@ -8594,7 +8594,7 @@
           <a:p>
             <a:fld id="{6DF0248B-9949-4ED7-8310-5E74FA75B7A3}" type="datetime8">
               <a:rPr lang="en-IL" smtClean="0"/>
-              <a:t>09/01/2022 22:39</a:t>
+              <a:t>09/01/2022 23:32</a:t>
             </a:fld>
             <a:endParaRPr lang="en-IL"/>
           </a:p>
@@ -9164,8 +9164,8 @@
         </p:nvSpPr>
         <p:spPr>
           <a:xfrm>
-            <a:off x="1524000" y="1600199"/>
-            <a:ext cx="9144000" cy="2761489"/>
+            <a:off x="1413163" y="1600199"/>
+            <a:ext cx="9362209" cy="2761489"/>
           </a:xfrm>
         </p:spPr>
         <p:txBody>
@@ -9348,7 +9348,12 @@
             <p:ph type="title"/>
           </p:nvPr>
         </p:nvSpPr>
-        <p:spPr/>
+        <p:spPr>
+          <a:xfrm>
+            <a:off x="2337955" y="624111"/>
+            <a:ext cx="9166657" cy="934526"/>
+          </a:xfrm>
+        </p:spPr>
         <p:txBody>
           <a:bodyPr/>
           <a:lstStyle/>
@@ -9387,8 +9392,8 @@
         </p:nvSpPr>
         <p:spPr>
           <a:xfrm>
-            <a:off x="2592925" y="1746325"/>
-            <a:ext cx="8915400" cy="3777622"/>
+            <a:off x="2337955" y="1558637"/>
+            <a:ext cx="9170370" cy="3965310"/>
           </a:xfrm>
         </p:spPr>
         <p:txBody>
@@ -9548,8 +9553,8 @@
           </a:p>
         </p:txBody>
       </p:sp>
-      <mc:AlternateContent xmlns:mc="http://schemas.openxmlformats.org/markup-compatibility/2006" xmlns:a14="http://schemas.microsoft.com/office/drawing/2010/main">
-        <mc:Choice Requires="a14">
+      <mc:AlternateContent xmlns:mc="http://schemas.openxmlformats.org/markup-compatibility/2006">
+        <mc:Choice xmlns:a14="http://schemas.microsoft.com/office/drawing/2010/main" Requires="a14">
           <p:sp>
             <p:nvSpPr>
               <p:cNvPr id="3" name="Content Placeholder 2">
@@ -9574,20 +9579,15 @@
             </p:spPr>
             <p:txBody>
               <a:bodyPr>
-                <a:normAutofit/>
+                <a:normAutofit fontScale="92500" lnSpcReduction="10000"/>
               </a:bodyPr>
               <a:lstStyle/>
               <a:p>
-                <a:pPr marL="0" indent="0">
-                  <a:buNone/>
+                <a:pPr>
+                  <a:lnSpc>
+                    <a:spcPct val="150000"/>
+                  </a:lnSpc>
                 </a:pPr>
-                <a:endParaRPr lang="en-US" sz="2000" dirty="0">
-                  <a:solidFill>
-                    <a:schemeClr val="tx1"/>
-                  </a:solidFill>
-                </a:endParaRPr>
-              </a:p>
-              <a:p>
                 <a:r>
                   <a:rPr lang="en-US" sz="2200" dirty="0">
                     <a:solidFill>
@@ -9598,6 +9598,11 @@
                 </a:r>
               </a:p>
               <a:p>
+                <a:pPr>
+                  <a:lnSpc>
+                    <a:spcPct val="150000"/>
+                  </a:lnSpc>
+                </a:pPr>
                 <a:r>
                   <a:rPr lang="en-US" sz="2200" dirty="0">
                     <a:solidFill>
@@ -9626,6 +9631,11 @@
                 </a:endParaRPr>
               </a:p>
               <a:p>
+                <a:pPr>
+                  <a:lnSpc>
+                    <a:spcPct val="150000"/>
+                  </a:lnSpc>
+                </a:pPr>
                 <a:r>
                   <a:rPr lang="en-US" sz="2000" dirty="0">
                     <a:solidFill>
@@ -9720,7 +9730,11 @@
                 </a:endParaRPr>
               </a:p>
               <a:p>
-                <a:pPr lvl="1"/>
+                <a:pPr lvl="1">
+                  <a:lnSpc>
+                    <a:spcPct val="150000"/>
+                  </a:lnSpc>
+                </a:pPr>
                 <a:r>
                   <a:rPr lang="en-US" sz="1800" dirty="0">
                     <a:solidFill>
@@ -9798,6 +9812,11 @@
                 </a:r>
               </a:p>
               <a:p>
+                <a:pPr>
+                  <a:lnSpc>
+                    <a:spcPct val="150000"/>
+                  </a:lnSpc>
+                </a:pPr>
                 <a:r>
                   <a:rPr lang="en-US" sz="2000" dirty="0">
                     <a:solidFill>
@@ -9808,6 +9827,11 @@
                 </a:r>
               </a:p>
               <a:p>
+                <a:pPr>
+                  <a:lnSpc>
+                    <a:spcPct val="150000"/>
+                  </a:lnSpc>
+                </a:pPr>
                 <a:r>
                   <a:rPr lang="en-US" sz="2000" dirty="0">
                     <a:solidFill>
@@ -9818,6 +9842,11 @@
                 </a:r>
               </a:p>
               <a:p>
+                <a:pPr>
+                  <a:lnSpc>
+                    <a:spcPct val="150000"/>
+                  </a:lnSpc>
+                </a:pPr>
                 <a:r>
                   <a:rPr lang="en-US" sz="2000" dirty="0">
                     <a:solidFill>
@@ -9828,6 +9857,11 @@
                 </a:r>
               </a:p>
               <a:p>
+                <a:pPr>
+                  <a:lnSpc>
+                    <a:spcPct val="150000"/>
+                  </a:lnSpc>
+                </a:pPr>
                 <a:r>
                   <a:rPr lang="en-US" sz="2000" dirty="0">
                     <a:solidFill>
@@ -9865,7 +9899,7 @@
             </p:txBody>
           </p:sp>
         </mc:Choice>
-        <mc:Fallback xmlns="">
+        <mc:Fallback>
           <p:sp>
             <p:nvSpPr>
               <p:cNvPr id="3" name="Content Placeholder 2">
@@ -9890,7 +9924,7 @@
               <a:blipFill>
                 <a:blip r:embed="rId3"/>
                 <a:stretch>
-                  <a:fillRect l="-781"/>
+                  <a:fillRect l="-586"/>
                 </a:stretch>
               </a:blipFill>
             </p:spPr>
@@ -9899,7 +9933,7 @@
               <a:lstStyle/>
               <a:p>
                 <a:r>
-                  <a:rPr lang="en-IL">
+                  <a:rPr lang="en-US">
                     <a:noFill/>
                   </a:rPr>
                   <a:t> </a:t>
@@ -10158,7 +10192,7 @@
         <p:spPr>
           <a:xfrm>
             <a:off x="2340864" y="1554479"/>
-            <a:ext cx="9851136" cy="5232819"/>
+            <a:ext cx="7510272" cy="2830485"/>
           </a:xfrm>
         </p:spPr>
         <p:txBody>
@@ -10167,20 +10201,11 @@
           </a:bodyPr>
           <a:lstStyle/>
           <a:p>
-            <a:endParaRPr lang="en-US" dirty="0">
-              <a:solidFill>
-                <a:schemeClr val="tx1"/>
-              </a:solidFill>
-            </a:endParaRPr>
-          </a:p>
-          <a:p>
-            <a:endParaRPr lang="en-US" dirty="0">
-              <a:solidFill>
-                <a:schemeClr val="tx1"/>
-              </a:solidFill>
-            </a:endParaRPr>
-          </a:p>
-          <a:p>
+            <a:pPr>
+              <a:lnSpc>
+                <a:spcPct val="200000"/>
+              </a:lnSpc>
+            </a:pPr>
             <a:r>
               <a:rPr lang="en-US" dirty="0">
                 <a:solidFill>
@@ -10191,16 +10216,11 @@
             </a:r>
           </a:p>
           <a:p>
-            <a:pPr marL="0" indent="0">
-              <a:buNone/>
+            <a:pPr>
+              <a:lnSpc>
+                <a:spcPct val="200000"/>
+              </a:lnSpc>
             </a:pPr>
-            <a:endParaRPr lang="en-US" dirty="0">
-              <a:solidFill>
-                <a:schemeClr val="tx1"/>
-              </a:solidFill>
-            </a:endParaRPr>
-          </a:p>
-          <a:p>
             <a:r>
               <a:rPr lang="en-US" dirty="0">
                 <a:solidFill>
@@ -10211,13 +10231,11 @@
             </a:r>
           </a:p>
           <a:p>
-            <a:endParaRPr lang="en-US" dirty="0">
-              <a:solidFill>
-                <a:schemeClr val="tx1"/>
-              </a:solidFill>
-            </a:endParaRPr>
-          </a:p>
-          <a:p>
+            <a:pPr>
+              <a:lnSpc>
+                <a:spcPct val="200000"/>
+              </a:lnSpc>
+            </a:pPr>
             <a:r>
               <a:rPr lang="en-US" dirty="0">
                 <a:solidFill>
@@ -10228,13 +10246,11 @@
             </a:r>
           </a:p>
           <a:p>
-            <a:endParaRPr lang="en-US" dirty="0">
-              <a:solidFill>
-                <a:schemeClr val="tx1"/>
-              </a:solidFill>
-            </a:endParaRPr>
-          </a:p>
-          <a:p>
+            <a:pPr>
+              <a:lnSpc>
+                <a:spcPct val="200000"/>
+              </a:lnSpc>
+            </a:pPr>
             <a:r>
               <a:rPr lang="en-US" dirty="0">
                 <a:solidFill>
@@ -10387,8 +10403,8 @@
           </a:p>
         </p:txBody>
       </p:sp>
-      <mc:AlternateContent xmlns:mc="http://schemas.openxmlformats.org/markup-compatibility/2006" xmlns:a14="http://schemas.microsoft.com/office/drawing/2010/main">
-        <mc:Choice Requires="a14">
+      <mc:AlternateContent xmlns:mc="http://schemas.openxmlformats.org/markup-compatibility/2006">
+        <mc:Choice xmlns:a14="http://schemas.microsoft.com/office/drawing/2010/main" Requires="a14">
           <p:sp>
             <p:nvSpPr>
               <p:cNvPr id="3" name="Content Placeholder 2">
@@ -10407,16 +10423,21 @@
             </p:nvSpPr>
             <p:spPr>
               <a:xfrm>
-                <a:off x="2347785" y="1879619"/>
-                <a:ext cx="9156828" cy="4354271"/>
+                <a:off x="2347785" y="1556951"/>
+                <a:ext cx="9156828" cy="4676939"/>
               </a:xfrm>
             </p:spPr>
             <p:txBody>
               <a:bodyPr>
-                <a:normAutofit lnSpcReduction="10000"/>
+                <a:normAutofit/>
               </a:bodyPr>
               <a:lstStyle/>
               <a:p>
+                <a:pPr>
+                  <a:lnSpc>
+                    <a:spcPct val="200000"/>
+                  </a:lnSpc>
+                </a:pPr>
                 <a:r>
                   <a:rPr lang="en-US" dirty="0">
                     <a:solidFill>
@@ -10425,20 +10446,13 @@
                   </a:rPr>
                   <a:t>The chunks are passed to each layer of the LSTMs</a:t>
                 </a:r>
-                <a:endParaRPr lang="ru-RU" dirty="0">
-                  <a:solidFill>
-                    <a:schemeClr val="tx1"/>
-                  </a:solidFill>
-                </a:endParaRPr>
               </a:p>
               <a:p>
-                <a:endParaRPr lang="en-US" dirty="0">
-                  <a:solidFill>
-                    <a:schemeClr val="tx1"/>
-                  </a:solidFill>
-                </a:endParaRPr>
-              </a:p>
-              <a:p>
+                <a:pPr>
+                  <a:lnSpc>
+                    <a:spcPct val="200000"/>
+                  </a:lnSpc>
+                </a:pPr>
                 <a:r>
                   <a:rPr lang="en-US" dirty="0">
                     <a:solidFill>
@@ -10477,20 +10491,13 @@
                   </a:rPr>
                   <a:t> (LSTM size)</a:t>
                 </a:r>
-                <a:endParaRPr lang="ru-RU" dirty="0">
-                  <a:solidFill>
-                    <a:schemeClr val="tx1"/>
-                  </a:solidFill>
-                </a:endParaRPr>
               </a:p>
               <a:p>
-                <a:endParaRPr lang="en-US" dirty="0">
-                  <a:solidFill>
-                    <a:schemeClr val="tx1"/>
-                  </a:solidFill>
-                </a:endParaRPr>
-              </a:p>
-              <a:p>
+                <a:pPr>
+                  <a:lnSpc>
+                    <a:spcPct val="200000"/>
+                  </a:lnSpc>
+                </a:pPr>
                 <a:r>
                   <a:rPr lang="en-US" dirty="0">
                     <a:solidFill>
@@ -10499,20 +10506,13 @@
                   </a:rPr>
                   <a:t>Dropout layer (First)</a:t>
                 </a:r>
-                <a:endParaRPr lang="ru-RU" dirty="0">
-                  <a:solidFill>
-                    <a:schemeClr val="tx1"/>
-                  </a:solidFill>
-                </a:endParaRPr>
               </a:p>
               <a:p>
-                <a:endParaRPr lang="en-US" dirty="0">
-                  <a:solidFill>
-                    <a:schemeClr val="tx1"/>
-                  </a:solidFill>
-                </a:endParaRPr>
-              </a:p>
-              <a:p>
+                <a:pPr>
+                  <a:lnSpc>
+                    <a:spcPct val="200000"/>
+                  </a:lnSpc>
+                </a:pPr>
                 <a:r>
                   <a:rPr lang="en-US" dirty="0">
                     <a:solidFill>
@@ -10521,20 +10521,13 @@
                   </a:rPr>
                   <a:t>ReLU activation fully connected layer</a:t>
                 </a:r>
-                <a:endParaRPr lang="ru-RU" dirty="0">
-                  <a:solidFill>
-                    <a:schemeClr val="tx1"/>
-                  </a:solidFill>
-                </a:endParaRPr>
               </a:p>
               <a:p>
-                <a:endParaRPr lang="en-US" dirty="0">
-                  <a:solidFill>
-                    <a:schemeClr val="tx1"/>
-                  </a:solidFill>
-                </a:endParaRPr>
-              </a:p>
-              <a:p>
+                <a:pPr>
+                  <a:lnSpc>
+                    <a:spcPct val="200000"/>
+                  </a:lnSpc>
+                </a:pPr>
                 <a:r>
                   <a:rPr lang="en-US" dirty="0">
                     <a:solidFill>
@@ -10543,20 +10536,13 @@
                   </a:rPr>
                   <a:t>Dropout layer (Second)</a:t>
                 </a:r>
-                <a:endParaRPr lang="ru-RU" dirty="0">
-                  <a:solidFill>
-                    <a:schemeClr val="tx1"/>
-                  </a:solidFill>
-                </a:endParaRPr>
               </a:p>
               <a:p>
-                <a:endParaRPr lang="en-US" dirty="0">
-                  <a:solidFill>
-                    <a:schemeClr val="tx1"/>
-                  </a:solidFill>
-                </a:endParaRPr>
-              </a:p>
-              <a:p>
+                <a:pPr>
+                  <a:lnSpc>
+                    <a:spcPct val="200000"/>
+                  </a:lnSpc>
+                </a:pPr>
                 <a:r>
                   <a:rPr lang="en-US" dirty="0">
                     <a:solidFill>
@@ -10569,7 +10555,7 @@
             </p:txBody>
           </p:sp>
         </mc:Choice>
-        <mc:Fallback xmlns="">
+        <mc:Fallback>
           <p:sp>
             <p:nvSpPr>
               <p:cNvPr id="3" name="Content Placeholder 2">
@@ -10588,13 +10574,13 @@
             </p:nvSpPr>
             <p:spPr>
               <a:xfrm>
-                <a:off x="2347785" y="1879619"/>
-                <a:ext cx="9156828" cy="4354271"/>
+                <a:off x="2347785" y="1556951"/>
+                <a:ext cx="9156828" cy="4676939"/>
               </a:xfrm>
               <a:blipFill>
                 <a:blip r:embed="rId2"/>
                 <a:stretch>
-                  <a:fillRect l="-466" t="-1399"/>
+                  <a:fillRect l="-466"/>
                 </a:stretch>
               </a:blipFill>
             </p:spPr>
@@ -10603,7 +10589,7 @@
               <a:lstStyle/>
               <a:p>
                 <a:r>
-                  <a:rPr lang="en-IL">
+                  <a:rPr lang="en-US">
                     <a:noFill/>
                   </a:rPr>
                   <a:t> </a:t>
@@ -13643,8 +13629,8 @@
         </p:nvSpPr>
         <p:spPr>
           <a:xfrm>
-            <a:off x="2350009" y="1963271"/>
-            <a:ext cx="8622791" cy="4356742"/>
+            <a:off x="2350009" y="1554480"/>
+            <a:ext cx="8414973" cy="3713711"/>
           </a:xfrm>
         </p:spPr>
         <p:txBody>
@@ -13653,6 +13639,11 @@
           </a:bodyPr>
           <a:lstStyle/>
           <a:p>
+            <a:pPr>
+              <a:lnSpc>
+                <a:spcPct val="200000"/>
+              </a:lnSpc>
+            </a:pPr>
             <a:r>
               <a:rPr lang="en-US" sz="2000" dirty="0">
                 <a:solidFill>
@@ -13663,7 +13654,11 @@
             </a:r>
           </a:p>
           <a:p>
-            <a:pPr lvl="1"/>
+            <a:pPr lvl="1">
+              <a:lnSpc>
+                <a:spcPct val="200000"/>
+              </a:lnSpc>
+            </a:pPr>
             <a:r>
               <a:rPr lang="en-US" sz="1800" dirty="0">
                 <a:solidFill>
@@ -13674,7 +13669,11 @@
             </a:r>
           </a:p>
           <a:p>
-            <a:pPr lvl="1"/>
+            <a:pPr lvl="1">
+              <a:lnSpc>
+                <a:spcPct val="200000"/>
+              </a:lnSpc>
+            </a:pPr>
             <a:r>
               <a:rPr lang="en-US" sz="1800" dirty="0">
                 <a:solidFill>
@@ -13685,14 +13684,11 @@
             </a:r>
           </a:p>
           <a:p>
-            <a:pPr lvl="1"/>
-            <a:endParaRPr lang="en-US" sz="1800" dirty="0">
-              <a:solidFill>
-                <a:schemeClr val="tx1"/>
-              </a:solidFill>
-            </a:endParaRPr>
-          </a:p>
-          <a:p>
+            <a:pPr>
+              <a:lnSpc>
+                <a:spcPct val="200000"/>
+              </a:lnSpc>
+            </a:pPr>
             <a:r>
               <a:rPr lang="en-US" sz="2000" dirty="0">
                 <a:solidFill>
@@ -13703,16 +13699,11 @@
             </a:r>
           </a:p>
           <a:p>
-            <a:pPr marL="0" indent="0">
-              <a:buNone/>
+            <a:pPr>
+              <a:lnSpc>
+                <a:spcPct val="200000"/>
+              </a:lnSpc>
             </a:pPr>
-            <a:endParaRPr lang="en-US" sz="2000" dirty="0">
-              <a:solidFill>
-                <a:schemeClr val="tx1"/>
-              </a:solidFill>
-            </a:endParaRPr>
-          </a:p>
-          <a:p>
             <a:r>
               <a:rPr lang="en-US" sz="2000" dirty="0">
                 <a:solidFill>
@@ -13721,23 +13712,6 @@
               </a:rPr>
               <a:t>Previously tested and accepted components will not be tested</a:t>
             </a:r>
-          </a:p>
-          <a:p>
-            <a:endParaRPr lang="en-US" sz="2000" dirty="0">
-              <a:solidFill>
-                <a:schemeClr val="tx1"/>
-              </a:solidFill>
-            </a:endParaRPr>
-          </a:p>
-          <a:p>
-            <a:pPr marL="0" indent="0">
-              <a:buNone/>
-            </a:pPr>
-            <a:endParaRPr lang="en-US" sz="2000" dirty="0">
-              <a:solidFill>
-                <a:schemeClr val="tx1"/>
-              </a:solidFill>
-            </a:endParaRPr>
           </a:p>
         </p:txBody>
       </p:sp>
@@ -13857,7 +13831,7 @@
           <p:nvPr>
             <p:extLst>
               <p:ext uri="{D42A27DB-BD31-4B8C-83A1-F6EECF244321}">
-                <p14:modId xmlns:p14="http://schemas.microsoft.com/office/powerpoint/2010/main" val="760271429"/>
+                <p14:modId xmlns:p14="http://schemas.microsoft.com/office/powerpoint/2010/main" val="1952233009"/>
               </p:ext>
             </p:extLst>
           </p:nvPr>
@@ -14258,7 +14232,7 @@
                         <a:rPr lang="en-US" sz="1800" dirty="0">
                           <a:effectLst/>
                         </a:rPr>
-                        <a:t>Classified together with the most of the tested texts</a:t>
+                        <a:t>Classified together with most of the tested texts</a:t>
                       </a:r>
                       <a:endParaRPr lang="en-US" sz="1800" dirty="0">
                         <a:effectLst/>
@@ -14835,7 +14809,7 @@
         <p:spPr>
           <a:xfrm>
             <a:off x="2350008" y="1554480"/>
-            <a:ext cx="9154604" cy="4356742"/>
+            <a:ext cx="9154604" cy="4316384"/>
           </a:xfrm>
         </p:spPr>
         <p:txBody>
@@ -14844,6 +14818,14 @@
           </a:bodyPr>
           <a:lstStyle/>
           <a:p>
+            <a:pPr>
+              <a:spcBef>
+                <a:spcPts val="0"/>
+              </a:spcBef>
+              <a:spcAft>
+                <a:spcPts val="3000"/>
+              </a:spcAft>
+            </a:pPr>
             <a:r>
               <a:rPr lang="en-US" sz="2000" dirty="0">
                 <a:solidFill>
@@ -14854,13 +14836,14 @@
             </a:r>
           </a:p>
           <a:p>
-            <a:endParaRPr lang="en-US" sz="2000" dirty="0">
-              <a:solidFill>
-                <a:schemeClr val="tx1"/>
-              </a:solidFill>
-            </a:endParaRPr>
-          </a:p>
-          <a:p>
+            <a:pPr>
+              <a:spcBef>
+                <a:spcPts val="0"/>
+              </a:spcBef>
+              <a:spcAft>
+                <a:spcPts val="3000"/>
+              </a:spcAft>
+            </a:pPr>
             <a:r>
               <a:rPr lang="en-US" sz="2000" dirty="0">
                 <a:solidFill>
@@ -14871,13 +14854,14 @@
             </a:r>
           </a:p>
           <a:p>
-            <a:endParaRPr lang="en-US" sz="2000" dirty="0">
-              <a:solidFill>
-                <a:schemeClr val="tx1"/>
-              </a:solidFill>
-            </a:endParaRPr>
-          </a:p>
-          <a:p>
+            <a:pPr>
+              <a:spcBef>
+                <a:spcPts val="0"/>
+              </a:spcBef>
+              <a:spcAft>
+                <a:spcPts val="3000"/>
+              </a:spcAft>
+            </a:pPr>
             <a:r>
               <a:rPr lang="en-US" sz="2000" dirty="0">
                 <a:solidFill>
@@ -14888,13 +14872,14 @@
             </a:r>
           </a:p>
           <a:p>
-            <a:endParaRPr lang="en-US" sz="2000" dirty="0">
-              <a:solidFill>
-                <a:schemeClr val="tx1"/>
-              </a:solidFill>
-            </a:endParaRPr>
-          </a:p>
-          <a:p>
+            <a:pPr>
+              <a:spcBef>
+                <a:spcPts val="0"/>
+              </a:spcBef>
+              <a:spcAft>
+                <a:spcPts val="3000"/>
+              </a:spcAft>
+            </a:pPr>
             <a:r>
               <a:rPr lang="en-US" sz="2000" dirty="0">
                 <a:solidFill>
@@ -14981,7 +14966,12 @@
             <p:ph type="title"/>
           </p:nvPr>
         </p:nvSpPr>
-        <p:spPr/>
+        <p:spPr>
+          <a:xfrm>
+            <a:off x="2337955" y="624110"/>
+            <a:ext cx="9166657" cy="913745"/>
+          </a:xfrm>
+        </p:spPr>
         <p:txBody>
           <a:bodyPr/>
           <a:lstStyle/>
@@ -15018,7 +15008,12 @@
             <p:ph idx="1"/>
           </p:nvPr>
         </p:nvSpPr>
-        <p:spPr/>
+        <p:spPr>
+          <a:xfrm>
+            <a:off x="2337955" y="1537856"/>
+            <a:ext cx="9166657" cy="3782290"/>
+          </a:xfrm>
+        </p:spPr>
         <p:txBody>
           <a:bodyPr/>
           <a:lstStyle/>
@@ -15043,15 +15038,7 @@
           <a:p>
             <a:r>
               <a:rPr lang="en-US" dirty="0"/>
-              <a:t>Detailed, visual results in plots and </a:t>
-            </a:r>
-            <a:r>
-              <a:rPr lang="en-US" dirty="0" err="1"/>
-              <a:t>Streamlit</a:t>
-            </a:r>
-            <a:r>
-              <a:rPr lang="en-US" dirty="0"/>
-              <a:t> metrices</a:t>
+              <a:t>Detailed, visual results in plots and Streamlit metrices</a:t>
             </a:r>
           </a:p>
           <a:p>
@@ -15062,6 +15049,21 @@
               <a:rPr lang="en-US" dirty="0"/>
               <a:t>Single-paged - easy to operate</a:t>
             </a:r>
+          </a:p>
+          <a:p>
+            <a:endParaRPr lang="en-US" dirty="0"/>
+          </a:p>
+          <a:p>
+            <a:pPr marL="0" indent="0">
+              <a:buNone/>
+            </a:pPr>
+            <a:r>
+              <a:rPr lang="en-US" dirty="0">
+                <a:hlinkClick r:id="rId2"/>
+              </a:rPr>
+              <a:t>https://drive.google.com/file/d/1y4u0PxydkVnQSlVZlYOAni0MqB8XKGCO/view</a:t>
+            </a:r>
+            <a:endParaRPr lang="en-US" dirty="0"/>
           </a:p>
         </p:txBody>
       </p:sp>
@@ -15140,7 +15142,12 @@
             <p:ph type="title"/>
           </p:nvPr>
         </p:nvSpPr>
-        <p:spPr/>
+        <p:spPr>
+          <a:xfrm>
+            <a:off x="2337955" y="624110"/>
+            <a:ext cx="9166657" cy="934526"/>
+          </a:xfrm>
+        </p:spPr>
         <p:txBody>
           <a:bodyPr/>
           <a:lstStyle/>
@@ -15177,35 +15184,65 @@
             <p:ph idx="1"/>
           </p:nvPr>
         </p:nvSpPr>
-        <p:spPr/>
+        <p:spPr>
+          <a:xfrm>
+            <a:off x="2337955" y="1558636"/>
+            <a:ext cx="5648417" cy="3377046"/>
+          </a:xfrm>
+        </p:spPr>
         <p:txBody>
           <a:bodyPr/>
           <a:lstStyle/>
           <a:p>
+            <a:pPr>
+              <a:lnSpc>
+                <a:spcPct val="200000"/>
+              </a:lnSpc>
+            </a:pPr>
             <a:r>
               <a:rPr lang="en-US" dirty="0"/>
               <a:t>Simply direct the system to the texts</a:t>
             </a:r>
           </a:p>
           <a:p>
+            <a:pPr>
+              <a:lnSpc>
+                <a:spcPct val="200000"/>
+              </a:lnSpc>
+            </a:pPr>
             <a:r>
               <a:rPr lang="en-US" dirty="0"/>
               <a:t>Choose first list of impostors</a:t>
             </a:r>
           </a:p>
           <a:p>
+            <a:pPr>
+              <a:lnSpc>
+                <a:spcPct val="200000"/>
+              </a:lnSpc>
+            </a:pPr>
             <a:r>
               <a:rPr lang="en-US" dirty="0"/>
               <a:t>Choose the second list</a:t>
             </a:r>
           </a:p>
           <a:p>
+            <a:pPr>
+              <a:lnSpc>
+                <a:spcPct val="200000"/>
+              </a:lnSpc>
+            </a:pPr>
             <a:r>
               <a:rPr lang="en-US" dirty="0"/>
               <a:t>Select author to test</a:t>
             </a:r>
           </a:p>
           <a:p>
+            <a:pPr>
+              <a:lnSpc>
+                <a:spcPct val="200000"/>
+              </a:lnSpc>
+            </a:pPr>
             <a:r>
               <a:rPr lang="en-US" dirty="0"/>
               <a:t>Select the specific creation</a:t>
@@ -15264,7 +15301,7 @@
         </p:blipFill>
         <p:spPr>
           <a:xfrm>
-            <a:off x="7477217" y="787782"/>
+            <a:off x="7986372" y="624110"/>
             <a:ext cx="2552163" cy="5950139"/>
           </a:xfrm>
           <a:prstGeom prst="rect">
@@ -15318,7 +15355,12 @@
             <p:ph type="title"/>
           </p:nvPr>
         </p:nvSpPr>
-        <p:spPr/>
+        <p:spPr>
+          <a:xfrm>
+            <a:off x="2348345" y="624110"/>
+            <a:ext cx="9156267" cy="767212"/>
+          </a:xfrm>
+        </p:spPr>
         <p:txBody>
           <a:bodyPr/>
           <a:lstStyle/>
@@ -15357,12 +15399,14 @@
         </p:nvSpPr>
         <p:spPr>
           <a:xfrm>
-            <a:off x="2591068" y="1391322"/>
-            <a:ext cx="8915400" cy="3777622"/>
+            <a:off x="2348345" y="1540189"/>
+            <a:ext cx="6567055" cy="364811"/>
           </a:xfrm>
         </p:spPr>
         <p:txBody>
-          <a:bodyPr/>
+          <a:bodyPr>
+            <a:normAutofit lnSpcReduction="10000"/>
+          </a:bodyPr>
           <a:lstStyle/>
           <a:p>
             <a:r>
@@ -15404,10 +15448,10 @@
       </p:sp>
       <p:pic>
         <p:nvPicPr>
-          <p:cNvPr id="7" name="Picture 6">
+          <p:cNvPr id="9" name="Picture 8">
             <a:extLst>
               <a:ext uri="{FF2B5EF4-FFF2-40B4-BE49-F238E27FC236}">
-                <a16:creationId xmlns:a16="http://schemas.microsoft.com/office/drawing/2014/main" id="{AA79071C-EBD2-4D86-B0F6-421B6709BDE1}"/>
+                <a16:creationId xmlns:a16="http://schemas.microsoft.com/office/drawing/2014/main" id="{BC7BB4DE-62A2-44B1-9952-54F37F06604B}"/>
               </a:ext>
             </a:extLst>
           </p:cNvPr>
@@ -15416,15 +15460,16 @@
           </p:cNvPicPr>
           <p:nvPr/>
         </p:nvPicPr>
-        <p:blipFill rotWithShape="1">
+        <p:blipFill>
           <a:blip r:embed="rId2"/>
-          <a:srcRect l="20743"/>
-          <a:stretch/>
+          <a:stretch>
+            <a:fillRect/>
+          </a:stretch>
         </p:blipFill>
         <p:spPr>
           <a:xfrm>
-            <a:off x="2591068" y="1905000"/>
-            <a:ext cx="8306228" cy="4759502"/>
+            <a:off x="2348345" y="2053867"/>
+            <a:ext cx="9012382" cy="4511824"/>
           </a:xfrm>
           <a:prstGeom prst="rect">
             <a:avLst/>
@@ -21022,7 +21067,7 @@
         <p:spPr>
           <a:xfrm>
             <a:off x="2350008" y="1554480"/>
-            <a:ext cx="9363456" cy="1400917"/>
+            <a:ext cx="9363456" cy="1022465"/>
           </a:xfrm>
         </p:spPr>
         <p:txBody>
@@ -21035,12 +21080,12 @@
               <a:buNone/>
             </a:pPr>
             <a:r>
-              <a:rPr lang="en-US" sz="2000" dirty="0">
+              <a:rPr lang="en-US" dirty="0">
                 <a:solidFill>
                   <a:schemeClr val="tx1"/>
                 </a:solidFill>
               </a:rPr>
-              <a:t>We propose a literature’s authorship evaluation system based on Impostors method approach, and a CNN/Bi-LSTM model accompanied, providing a web-based interface</a:t>
+              <a:t>We propose a literature’s authorship evaluation system based on Impostors’ method approach, and a CNN/Bi-LSTM model accompanied, providing a web-based interface</a:t>
             </a:r>
           </a:p>
         </p:txBody>
@@ -21076,10 +21121,10 @@
       </p:sp>
       <p:pic>
         <p:nvPicPr>
-          <p:cNvPr id="8" name="Picture 7">
+          <p:cNvPr id="5" name="Picture 4">
             <a:extLst>
               <a:ext uri="{FF2B5EF4-FFF2-40B4-BE49-F238E27FC236}">
-                <a16:creationId xmlns:a16="http://schemas.microsoft.com/office/drawing/2014/main" id="{2434B5C3-DB22-44EA-9C3E-F43FD6A76AA6}"/>
+                <a16:creationId xmlns:a16="http://schemas.microsoft.com/office/drawing/2014/main" id="{2720AAB2-4E01-4FEC-AE9F-75383EB5741D}"/>
               </a:ext>
             </a:extLst>
           </p:cNvPr>
@@ -21096,8 +21141,8 @@
         </p:blipFill>
         <p:spPr>
           <a:xfrm>
-            <a:off x="2350007" y="2668194"/>
-            <a:ext cx="9000635" cy="4087607"/>
+            <a:off x="2955099" y="2484850"/>
+            <a:ext cx="8385373" cy="4197928"/>
           </a:xfrm>
           <a:prstGeom prst="rect">
             <a:avLst/>
@@ -21204,8 +21249,13 @@
           </a:bodyPr>
           <a:lstStyle/>
           <a:p>
+            <a:pPr marL="0">
+              <a:spcBef>
+                <a:spcPts val="3000"/>
+              </a:spcBef>
+            </a:pPr>
             <a:r>
-              <a:rPr lang="en-US" sz="2000" dirty="0">
+              <a:rPr lang="en-US" dirty="0">
                 <a:solidFill>
                   <a:schemeClr val="tx1"/>
                 </a:solidFill>
@@ -21214,18 +21264,13 @@
             </a:r>
           </a:p>
           <a:p>
-            <a:pPr marL="0" indent="0">
-              <a:buNone/>
+            <a:pPr marL="0">
+              <a:spcBef>
+                <a:spcPts val="3000"/>
+              </a:spcBef>
             </a:pPr>
-            <a:endParaRPr lang="en-US" sz="2000" dirty="0">
-              <a:solidFill>
-                <a:schemeClr val="tx1"/>
-              </a:solidFill>
-            </a:endParaRPr>
-          </a:p>
-          <a:p>
             <a:r>
-              <a:rPr lang="en-US" sz="2000" dirty="0">
+              <a:rPr lang="en-US" dirty="0">
                 <a:solidFill>
                   <a:schemeClr val="tx1"/>
                 </a:solidFill>
@@ -21234,18 +21279,13 @@
             </a:r>
           </a:p>
           <a:p>
-            <a:pPr marL="0" indent="0">
-              <a:buNone/>
+            <a:pPr marL="0">
+              <a:spcBef>
+                <a:spcPts val="3000"/>
+              </a:spcBef>
             </a:pPr>
-            <a:endParaRPr lang="en-US" sz="2000" dirty="0">
-              <a:solidFill>
-                <a:schemeClr val="tx1"/>
-              </a:solidFill>
-            </a:endParaRPr>
-          </a:p>
-          <a:p>
             <a:r>
-              <a:rPr lang="en-US" sz="2000" dirty="0">
+              <a:rPr lang="en-US" dirty="0">
                 <a:solidFill>
                   <a:schemeClr val="tx1"/>
                 </a:solidFill>
@@ -21254,18 +21294,13 @@
             </a:r>
           </a:p>
           <a:p>
-            <a:pPr marL="0" indent="0">
-              <a:buNone/>
+            <a:pPr marL="0">
+              <a:spcBef>
+                <a:spcPts val="3000"/>
+              </a:spcBef>
             </a:pPr>
-            <a:endParaRPr lang="en-US" sz="2000" dirty="0">
-              <a:solidFill>
-                <a:schemeClr val="tx1"/>
-              </a:solidFill>
-            </a:endParaRPr>
-          </a:p>
-          <a:p>
             <a:r>
-              <a:rPr lang="en-US" sz="2000" dirty="0">
+              <a:rPr lang="en-US" dirty="0">
                 <a:solidFill>
                   <a:schemeClr val="tx1"/>
                 </a:solidFill>
@@ -21274,18 +21309,13 @@
             </a:r>
           </a:p>
           <a:p>
-            <a:pPr marL="0" indent="0">
-              <a:buNone/>
+            <a:pPr marL="0">
+              <a:spcBef>
+                <a:spcPts val="3000"/>
+              </a:spcBef>
             </a:pPr>
-            <a:endParaRPr lang="en-US" sz="2000" dirty="0">
-              <a:solidFill>
-                <a:schemeClr val="tx1"/>
-              </a:solidFill>
-            </a:endParaRPr>
-          </a:p>
-          <a:p>
             <a:r>
-              <a:rPr lang="en-US" sz="2000" dirty="0">
+              <a:rPr lang="en-US" dirty="0">
                 <a:solidFill>
                   <a:schemeClr val="tx1"/>
                 </a:solidFill>
@@ -21370,7 +21400,12 @@
             <p:ph type="title"/>
           </p:nvPr>
         </p:nvSpPr>
-        <p:spPr/>
+        <p:spPr>
+          <a:xfrm>
+            <a:off x="2337955" y="633845"/>
+            <a:ext cx="9166657" cy="914400"/>
+          </a:xfrm>
+        </p:spPr>
         <p:txBody>
           <a:bodyPr/>
           <a:lstStyle/>
@@ -21381,7 +21416,7 @@
                   <a:schemeClr val="tx1"/>
                 </a:solidFill>
               </a:rPr>
-              <a:t>Main flow utils</a:t>
+              <a:t>Libraries and Frameworks</a:t>
             </a:r>
             <a:endParaRPr lang="en-IL" dirty="0">
               <a:solidFill>
@@ -21407,13 +21442,25 @@
             <p:ph idx="1"/>
           </p:nvPr>
         </p:nvSpPr>
-        <p:spPr/>
+        <p:spPr>
+          <a:xfrm>
+            <a:off x="2337955" y="1548245"/>
+            <a:ext cx="9854045" cy="4362977"/>
+          </a:xfrm>
+        </p:spPr>
         <p:txBody>
-          <a:bodyPr/>
+          <a:bodyPr>
+            <a:normAutofit/>
+          </a:bodyPr>
           <a:lstStyle/>
           <a:p>
+            <a:pPr>
+              <a:spcBef>
+                <a:spcPts val="3600"/>
+              </a:spcBef>
+            </a:pPr>
             <a:r>
-              <a:rPr lang="en-US" sz="1800" dirty="0">
+              <a:rPr lang="en-US" dirty="0">
                 <a:solidFill>
                   <a:schemeClr val="tx1"/>
                 </a:solidFill>
@@ -21422,8 +21469,13 @@
             </a:r>
           </a:p>
           <a:p>
+            <a:pPr>
+              <a:spcBef>
+                <a:spcPts val="3600"/>
+              </a:spcBef>
+            </a:pPr>
             <a:r>
-              <a:rPr lang="en-US" sz="1800" dirty="0" err="1">
+              <a:rPr lang="en-US" dirty="0" err="1">
                 <a:solidFill>
                   <a:schemeClr val="tx1"/>
                 </a:solidFill>
@@ -21431,7 +21483,7 @@
               <a:t>MLxtend</a:t>
             </a:r>
             <a:r>
-              <a:rPr lang="en-US" sz="1800" dirty="0">
+              <a:rPr lang="en-US" dirty="0">
                 <a:solidFill>
                   <a:schemeClr val="tx1"/>
                 </a:solidFill>
@@ -21440,6 +21492,11 @@
             </a:r>
           </a:p>
           <a:p>
+            <a:pPr>
+              <a:spcBef>
+                <a:spcPts val="3600"/>
+              </a:spcBef>
+            </a:pPr>
             <a:r>
               <a:rPr lang="en-US" dirty="0" err="1">
                 <a:solidFill>
@@ -21458,8 +21515,13 @@
             </a:r>
           </a:p>
           <a:p>
+            <a:pPr>
+              <a:spcBef>
+                <a:spcPts val="3600"/>
+              </a:spcBef>
+            </a:pPr>
             <a:r>
-              <a:rPr lang="en-US" sz="1800" dirty="0" err="1">
+              <a:rPr lang="en-US" dirty="0" err="1">
                 <a:solidFill>
                   <a:schemeClr val="tx1"/>
                 </a:solidFill>
@@ -21467,78 +21529,28 @@
               <a:t>Scipy.stats</a:t>
             </a:r>
             <a:r>
-              <a:rPr lang="en-US" sz="1800" dirty="0">
+              <a:rPr lang="en-US" dirty="0">
                 <a:solidFill>
                   <a:schemeClr val="tx1"/>
                 </a:solidFill>
               </a:rPr>
-              <a:t> – Used for calculating the </a:t>
+              <a:t> – Used for calculating the P-Value of the results observations</a:t>
             </a:r>
+          </a:p>
+          <a:p>
+            <a:pPr>
+              <a:spcBef>
+                <a:spcPts val="3600"/>
+              </a:spcBef>
+            </a:pPr>
             <a:r>
               <a:rPr lang="en-US" dirty="0">
                 <a:solidFill>
                   <a:schemeClr val="tx1"/>
                 </a:solidFill>
               </a:rPr>
-              <a:t>P-Value of the results observations</a:t>
+              <a:t>Streamlit – Library for building and deploying web apps with python scripts.</a:t>
             </a:r>
-          </a:p>
-          <a:p>
-            <a:r>
-              <a:rPr lang="en-US" sz="1800" dirty="0" err="1">
-                <a:solidFill>
-                  <a:schemeClr val="tx1"/>
-                </a:solidFill>
-              </a:rPr>
-              <a:t>Streamlit</a:t>
-            </a:r>
-            <a:r>
-              <a:rPr lang="en-US" sz="1800" dirty="0">
-                <a:solidFill>
-                  <a:schemeClr val="tx1"/>
-                </a:solidFill>
-              </a:rPr>
-              <a:t> – Library for building and deploying web apps </a:t>
-            </a:r>
-            <a:r>
-              <a:rPr lang="en-US" dirty="0">
-                <a:solidFill>
-                  <a:schemeClr val="tx1"/>
-                </a:solidFill>
-              </a:rPr>
-              <a:t>with</a:t>
-            </a:r>
-            <a:r>
-              <a:rPr lang="en-US" sz="1800" dirty="0">
-                <a:solidFill>
-                  <a:schemeClr val="tx1"/>
-                </a:solidFill>
-              </a:rPr>
-              <a:t> python scripts</a:t>
-            </a:r>
-            <a:r>
-              <a:rPr lang="en-US" dirty="0">
-                <a:solidFill>
-                  <a:schemeClr val="tx1"/>
-                </a:solidFill>
-              </a:rPr>
-              <a:t>.</a:t>
-            </a:r>
-            <a:endParaRPr lang="en-US" sz="1800" dirty="0">
-              <a:solidFill>
-                <a:schemeClr val="tx1"/>
-              </a:solidFill>
-            </a:endParaRPr>
-          </a:p>
-          <a:p>
-            <a:endParaRPr lang="en-US" sz="1800" dirty="0">
-              <a:solidFill>
-                <a:schemeClr val="tx1"/>
-              </a:solidFill>
-            </a:endParaRPr>
-          </a:p>
-          <a:p>
-            <a:endParaRPr lang="en-IL" dirty="0"/>
           </a:p>
         </p:txBody>
       </p:sp>
@@ -21619,7 +21631,7 @@
         </p:nvSpPr>
         <p:spPr>
           <a:xfrm>
-            <a:off x="1693792" y="505159"/>
+            <a:off x="2358810" y="646883"/>
             <a:ext cx="9154604" cy="930370"/>
           </a:xfrm>
         </p:spPr>
@@ -21663,8 +21675,8 @@
         </p:nvSpPr>
         <p:spPr>
           <a:xfrm>
-            <a:off x="1693792" y="1586752"/>
-            <a:ext cx="10301130" cy="5061473"/>
+            <a:off x="2358810" y="1577254"/>
+            <a:ext cx="9495758" cy="4633863"/>
           </a:xfrm>
         </p:spPr>
         <p:txBody>
@@ -21847,8 +21859,8 @@
         </p:blipFill>
         <p:spPr>
           <a:xfrm>
-            <a:off x="8020051" y="3674122"/>
-            <a:ext cx="3851696" cy="1806388"/>
+            <a:off x="8356093" y="3831721"/>
+            <a:ext cx="3498475" cy="1640732"/>
           </a:xfrm>
           <a:prstGeom prst="rect">
             <a:avLst/>
@@ -21951,7 +21963,12 @@
             <p:ph type="title"/>
           </p:nvPr>
         </p:nvSpPr>
-        <p:spPr/>
+        <p:spPr>
+          <a:xfrm>
+            <a:off x="2337955" y="624110"/>
+            <a:ext cx="9166657" cy="934526"/>
+          </a:xfrm>
+        </p:spPr>
         <p:txBody>
           <a:bodyPr/>
           <a:lstStyle/>
@@ -21988,7 +22005,12 @@
             <p:ph idx="1"/>
           </p:nvPr>
         </p:nvSpPr>
-        <p:spPr/>
+        <p:spPr>
+          <a:xfrm>
+            <a:off x="2337955" y="1558636"/>
+            <a:ext cx="9166657" cy="4352586"/>
+          </a:xfrm>
+        </p:spPr>
         <p:txBody>
           <a:bodyPr/>
           <a:lstStyle/>
@@ -22152,17 +22174,32 @@
             <p:ph idx="1"/>
           </p:nvPr>
         </p:nvSpPr>
-        <p:spPr/>
+        <p:spPr>
+          <a:xfrm>
+            <a:off x="2317173" y="1558636"/>
+            <a:ext cx="9642763" cy="1444337"/>
+          </a:xfrm>
+        </p:spPr>
         <p:txBody>
           <a:bodyPr/>
           <a:lstStyle/>
           <a:p>
+            <a:pPr>
+              <a:lnSpc>
+                <a:spcPct val="200000"/>
+              </a:lnSpc>
+            </a:pPr>
             <a:r>
               <a:rPr lang="en-US" dirty="0"/>
               <a:t>Finds a non-linear matching of points of two time series.</a:t>
             </a:r>
           </a:p>
           <a:p>
+            <a:pPr>
+              <a:lnSpc>
+                <a:spcPct val="200000"/>
+              </a:lnSpc>
+            </a:pPr>
             <a:r>
               <a:rPr lang="en-US" dirty="0"/>
               <a:t>The matching is equivalent to stretching (compressing) the time series in the X-axis</a:t>
@@ -22220,7 +22257,7 @@
         </p:blipFill>
         <p:spPr>
           <a:xfrm>
-            <a:off x="2589211" y="3210208"/>
+            <a:off x="2503233" y="3002973"/>
             <a:ext cx="9091069" cy="3023682"/>
           </a:xfrm>
           <a:prstGeom prst="rect">

--- a/Capstone Project 21-2-R-13.pptx
+++ b/Capstone Project 21-2-R-13.pptx
@@ -220,7 +220,7 @@
           <a:p>
             <a:fld id="{811D313B-9FAE-4567-A4D5-2B12D1D4F1AF}" type="datetimeFigureOut">
               <a:rPr lang="en-IL" smtClean="0"/>
-              <a:t>09/01/2022</a:t>
+              <a:t>10/01/2022</a:t>
             </a:fld>
             <a:endParaRPr lang="en-IL"/>
           </a:p>
@@ -549,12 +549,15 @@
               <a:tabLst/>
               <a:defRPr/>
             </a:pPr>
-            <a:endParaRPr lang="en-US" sz="1800" dirty="0">
-              <a:effectLst/>
-              <a:latin typeface="Calibri" panose="020F0502020204030204" pitchFamily="34" charset="0"/>
-              <a:ea typeface="Calibri" panose="020F0502020204030204" pitchFamily="34" charset="0"/>
-              <a:cs typeface="Arial" panose="020B0604020202020204" pitchFamily="34" charset="0"/>
-            </a:endParaRPr>
+            <a:r>
+              <a:rPr lang="en-US" sz="1800" dirty="0">
+                <a:effectLst/>
+                <a:latin typeface="Calibri" panose="020F0502020204030204" pitchFamily="34" charset="0"/>
+                <a:ea typeface="Calibri" panose="020F0502020204030204" pitchFamily="34" charset="0"/>
+                <a:cs typeface="Arial" panose="020B0604020202020204" pitchFamily="34" charset="0"/>
+              </a:rPr>
+              <a:t>Kostya</a:t>
+            </a:r>
           </a:p>
         </p:txBody>
       </p:sp>
@@ -638,7 +641,51 @@
           <a:bodyPr/>
           <a:lstStyle/>
           <a:p>
-            <a:endParaRPr lang="en-US" dirty="0"/>
+            <a:pPr marL="0" marR="0" lvl="0" indent="0" algn="l" defTabSz="914400" rtl="0" eaLnBrk="1" fontAlgn="auto" latinLnBrk="0" hangingPunct="1">
+              <a:lnSpc>
+                <a:spcPct val="107000"/>
+              </a:lnSpc>
+              <a:spcBef>
+                <a:spcPts val="0"/>
+              </a:spcBef>
+              <a:spcAft>
+                <a:spcPts val="800"/>
+              </a:spcAft>
+              <a:buClrTx/>
+              <a:buSzTx/>
+              <a:buFontTx/>
+              <a:buNone/>
+              <a:tabLst/>
+              <a:defRPr/>
+            </a:pPr>
+            <a:r>
+              <a:rPr lang="en-US" sz="1800" dirty="0">
+                <a:effectLst/>
+                <a:latin typeface="Calibri" panose="020F0502020204030204" pitchFamily="34" charset="0"/>
+                <a:ea typeface="Calibri" panose="020F0502020204030204" pitchFamily="34" charset="0"/>
+                <a:cs typeface="Arial" panose="020B0604020202020204" pitchFamily="34" charset="0"/>
+              </a:rPr>
+              <a:t>Kostya</a:t>
+            </a:r>
+          </a:p>
+          <a:p>
+            <a:pPr marL="0" marR="0" rtl="0">
+              <a:lnSpc>
+                <a:spcPct val="107000"/>
+              </a:lnSpc>
+              <a:spcBef>
+                <a:spcPts val="0"/>
+              </a:spcBef>
+              <a:spcAft>
+                <a:spcPts val="800"/>
+              </a:spcAft>
+            </a:pPr>
+            <a:endParaRPr lang="en-US" sz="1800" dirty="0">
+              <a:effectLst/>
+              <a:latin typeface="Calibri" panose="020F0502020204030204" pitchFamily="34" charset="0"/>
+              <a:ea typeface="Calibri" panose="020F0502020204030204" pitchFamily="34" charset="0"/>
+              <a:cs typeface="Arial" panose="020B0604020202020204" pitchFamily="34" charset="0"/>
+            </a:endParaRPr>
           </a:p>
         </p:txBody>
       </p:sp>
@@ -659,7 +706,7 @@
           <a:p>
             <a:fld id="{B6C9A177-B583-4561-AADE-D5EE6023D4EA}" type="slidenum">
               <a:rPr lang="en-IL" smtClean="0"/>
-              <a:t>16</a:t>
+              <a:t>11</a:t>
             </a:fld>
             <a:endParaRPr lang="en-IL"/>
           </a:p>
@@ -668,7 +715,7 @@
     </p:spTree>
     <p:extLst>
       <p:ext uri="{BB962C8B-B14F-4D97-AF65-F5344CB8AC3E}">
-        <p14:creationId xmlns:p14="http://schemas.microsoft.com/office/powerpoint/2010/main" val="2906276052"/>
+        <p14:creationId xmlns:p14="http://schemas.microsoft.com/office/powerpoint/2010/main" val="2215016413"/>
       </p:ext>
     </p:extLst>
   </p:cSld>
@@ -722,6 +769,34 @@
           <a:bodyPr/>
           <a:lstStyle/>
           <a:p>
+            <a:pPr marL="0" marR="0" lvl="0" indent="0" algn="l" defTabSz="914400" rtl="0" eaLnBrk="1" fontAlgn="auto" latinLnBrk="0" hangingPunct="1">
+              <a:lnSpc>
+                <a:spcPct val="100000"/>
+              </a:lnSpc>
+              <a:spcBef>
+                <a:spcPts val="0"/>
+              </a:spcBef>
+              <a:spcAft>
+                <a:spcPts val="0"/>
+              </a:spcAft>
+              <a:buClrTx/>
+              <a:buSzTx/>
+              <a:buFontTx/>
+              <a:buNone/>
+              <a:tabLst/>
+              <a:defRPr/>
+            </a:pPr>
+            <a:r>
+              <a:rPr lang="en-US" sz="1200" dirty="0">
+                <a:effectLst/>
+                <a:latin typeface="Calibri" panose="020F0502020204030204" pitchFamily="34" charset="0"/>
+                <a:ea typeface="Calibri" panose="020F0502020204030204" pitchFamily="34" charset="0"/>
+                <a:cs typeface="Arial" panose="020B0604020202020204" pitchFamily="34" charset="0"/>
+              </a:rPr>
+              <a:t>Kostya</a:t>
+            </a:r>
+          </a:p>
+          <a:p>
             <a:endParaRPr lang="en-US" dirty="0"/>
           </a:p>
         </p:txBody>
@@ -743,6 +818,258 @@
           <a:p>
             <a:fld id="{B6C9A177-B583-4561-AADE-D5EE6023D4EA}" type="slidenum">
               <a:rPr lang="en-IL" smtClean="0"/>
+              <a:t>12</a:t>
+            </a:fld>
+            <a:endParaRPr lang="en-IL"/>
+          </a:p>
+        </p:txBody>
+      </p:sp>
+    </p:spTree>
+    <p:extLst>
+      <p:ext uri="{BB962C8B-B14F-4D97-AF65-F5344CB8AC3E}">
+        <p14:creationId xmlns:p14="http://schemas.microsoft.com/office/powerpoint/2010/main" val="3832244731"/>
+      </p:ext>
+    </p:extLst>
+  </p:cSld>
+  <p:clrMapOvr>
+    <a:masterClrMapping/>
+  </p:clrMapOvr>
+</p:notes>
+</file>
+
+<file path=ppt/notesSlides/notesSlide12.xml><?xml version="1.0" encoding="utf-8"?>
+<p:notes xmlns:a="http://schemas.openxmlformats.org/drawingml/2006/main" xmlns:r="http://schemas.openxmlformats.org/officeDocument/2006/relationships" xmlns:p="http://schemas.openxmlformats.org/presentationml/2006/main">
+  <p:cSld>
+    <p:spTree>
+      <p:nvGrpSpPr>
+        <p:cNvPr id="1" name=""/>
+        <p:cNvGrpSpPr/>
+        <p:nvPr/>
+      </p:nvGrpSpPr>
+      <p:grpSpPr>
+        <a:xfrm>
+          <a:off x="0" y="0"/>
+          <a:ext cx="0" cy="0"/>
+          <a:chOff x="0" y="0"/>
+          <a:chExt cx="0" cy="0"/>
+        </a:xfrm>
+      </p:grpSpPr>
+      <p:sp>
+        <p:nvSpPr>
+          <p:cNvPr id="2" name="Slide Image Placeholder 1"/>
+          <p:cNvSpPr>
+            <a:spLocks noGrp="1" noRot="1" noChangeAspect="1"/>
+          </p:cNvSpPr>
+          <p:nvPr>
+            <p:ph type="sldImg"/>
+          </p:nvPr>
+        </p:nvSpPr>
+        <p:spPr/>
+      </p:sp>
+      <p:sp>
+        <p:nvSpPr>
+          <p:cNvPr id="3" name="Notes Placeholder 2"/>
+          <p:cNvSpPr>
+            <a:spLocks noGrp="1"/>
+          </p:cNvSpPr>
+          <p:nvPr>
+            <p:ph type="body" idx="1"/>
+          </p:nvPr>
+        </p:nvSpPr>
+        <p:spPr/>
+        <p:txBody>
+          <a:bodyPr/>
+          <a:lstStyle/>
+          <a:p>
+            <a:endParaRPr lang="en-US" dirty="0"/>
+          </a:p>
+        </p:txBody>
+      </p:sp>
+      <p:sp>
+        <p:nvSpPr>
+          <p:cNvPr id="4" name="Slide Number Placeholder 3"/>
+          <p:cNvSpPr>
+            <a:spLocks noGrp="1"/>
+          </p:cNvSpPr>
+          <p:nvPr>
+            <p:ph type="sldNum" sz="quarter" idx="5"/>
+          </p:nvPr>
+        </p:nvSpPr>
+        <p:spPr/>
+        <p:txBody>
+          <a:bodyPr/>
+          <a:lstStyle/>
+          <a:p>
+            <a:fld id="{B6C9A177-B583-4561-AADE-D5EE6023D4EA}" type="slidenum">
+              <a:rPr lang="en-IL" smtClean="0"/>
+              <a:t>14</a:t>
+            </a:fld>
+            <a:endParaRPr lang="en-IL"/>
+          </a:p>
+        </p:txBody>
+      </p:sp>
+    </p:spTree>
+    <p:extLst>
+      <p:ext uri="{BB962C8B-B14F-4D97-AF65-F5344CB8AC3E}">
+        <p14:creationId xmlns:p14="http://schemas.microsoft.com/office/powerpoint/2010/main" val="1774752838"/>
+      </p:ext>
+    </p:extLst>
+  </p:cSld>
+  <p:clrMapOvr>
+    <a:masterClrMapping/>
+  </p:clrMapOvr>
+</p:notes>
+</file>
+
+<file path=ppt/notesSlides/notesSlide13.xml><?xml version="1.0" encoding="utf-8"?>
+<p:notes xmlns:a="http://schemas.openxmlformats.org/drawingml/2006/main" xmlns:r="http://schemas.openxmlformats.org/officeDocument/2006/relationships" xmlns:p="http://schemas.openxmlformats.org/presentationml/2006/main">
+  <p:cSld>
+    <p:spTree>
+      <p:nvGrpSpPr>
+        <p:cNvPr id="1" name=""/>
+        <p:cNvGrpSpPr/>
+        <p:nvPr/>
+      </p:nvGrpSpPr>
+      <p:grpSpPr>
+        <a:xfrm>
+          <a:off x="0" y="0"/>
+          <a:ext cx="0" cy="0"/>
+          <a:chOff x="0" y="0"/>
+          <a:chExt cx="0" cy="0"/>
+        </a:xfrm>
+      </p:grpSpPr>
+      <p:sp>
+        <p:nvSpPr>
+          <p:cNvPr id="2" name="Slide Image Placeholder 1"/>
+          <p:cNvSpPr>
+            <a:spLocks noGrp="1" noRot="1" noChangeAspect="1"/>
+          </p:cNvSpPr>
+          <p:nvPr>
+            <p:ph type="sldImg"/>
+          </p:nvPr>
+        </p:nvSpPr>
+        <p:spPr/>
+      </p:sp>
+      <p:sp>
+        <p:nvSpPr>
+          <p:cNvPr id="3" name="Notes Placeholder 2"/>
+          <p:cNvSpPr>
+            <a:spLocks noGrp="1"/>
+          </p:cNvSpPr>
+          <p:nvPr>
+            <p:ph type="body" idx="1"/>
+          </p:nvPr>
+        </p:nvSpPr>
+        <p:spPr/>
+        <p:txBody>
+          <a:bodyPr/>
+          <a:lstStyle/>
+          <a:p>
+            <a:endParaRPr lang="en-US" dirty="0"/>
+          </a:p>
+        </p:txBody>
+      </p:sp>
+      <p:sp>
+        <p:nvSpPr>
+          <p:cNvPr id="4" name="Slide Number Placeholder 3"/>
+          <p:cNvSpPr>
+            <a:spLocks noGrp="1"/>
+          </p:cNvSpPr>
+          <p:nvPr>
+            <p:ph type="sldNum" sz="quarter" idx="5"/>
+          </p:nvPr>
+        </p:nvSpPr>
+        <p:spPr/>
+        <p:txBody>
+          <a:bodyPr/>
+          <a:lstStyle/>
+          <a:p>
+            <a:fld id="{B6C9A177-B583-4561-AADE-D5EE6023D4EA}" type="slidenum">
+              <a:rPr lang="en-IL" smtClean="0"/>
+              <a:t>16</a:t>
+            </a:fld>
+            <a:endParaRPr lang="en-IL"/>
+          </a:p>
+        </p:txBody>
+      </p:sp>
+    </p:spTree>
+    <p:extLst>
+      <p:ext uri="{BB962C8B-B14F-4D97-AF65-F5344CB8AC3E}">
+        <p14:creationId xmlns:p14="http://schemas.microsoft.com/office/powerpoint/2010/main" val="2906276052"/>
+      </p:ext>
+    </p:extLst>
+  </p:cSld>
+  <p:clrMapOvr>
+    <a:masterClrMapping/>
+  </p:clrMapOvr>
+</p:notes>
+</file>
+
+<file path=ppt/notesSlides/notesSlide14.xml><?xml version="1.0" encoding="utf-8"?>
+<p:notes xmlns:a="http://schemas.openxmlformats.org/drawingml/2006/main" xmlns:r="http://schemas.openxmlformats.org/officeDocument/2006/relationships" xmlns:p="http://schemas.openxmlformats.org/presentationml/2006/main">
+  <p:cSld>
+    <p:spTree>
+      <p:nvGrpSpPr>
+        <p:cNvPr id="1" name=""/>
+        <p:cNvGrpSpPr/>
+        <p:nvPr/>
+      </p:nvGrpSpPr>
+      <p:grpSpPr>
+        <a:xfrm>
+          <a:off x="0" y="0"/>
+          <a:ext cx="0" cy="0"/>
+          <a:chOff x="0" y="0"/>
+          <a:chExt cx="0" cy="0"/>
+        </a:xfrm>
+      </p:grpSpPr>
+      <p:sp>
+        <p:nvSpPr>
+          <p:cNvPr id="2" name="Slide Image Placeholder 1"/>
+          <p:cNvSpPr>
+            <a:spLocks noGrp="1" noRot="1" noChangeAspect="1"/>
+          </p:cNvSpPr>
+          <p:nvPr>
+            <p:ph type="sldImg"/>
+          </p:nvPr>
+        </p:nvSpPr>
+        <p:spPr/>
+      </p:sp>
+      <p:sp>
+        <p:nvSpPr>
+          <p:cNvPr id="3" name="Notes Placeholder 2"/>
+          <p:cNvSpPr>
+            <a:spLocks noGrp="1"/>
+          </p:cNvSpPr>
+          <p:nvPr>
+            <p:ph type="body" idx="1"/>
+          </p:nvPr>
+        </p:nvSpPr>
+        <p:spPr/>
+        <p:txBody>
+          <a:bodyPr/>
+          <a:lstStyle/>
+          <a:p>
+            <a:endParaRPr lang="en-US" dirty="0"/>
+          </a:p>
+        </p:txBody>
+      </p:sp>
+      <p:sp>
+        <p:nvSpPr>
+          <p:cNvPr id="4" name="Slide Number Placeholder 3"/>
+          <p:cNvSpPr>
+            <a:spLocks noGrp="1"/>
+          </p:cNvSpPr>
+          <p:nvPr>
+            <p:ph type="sldNum" sz="quarter" idx="5"/>
+          </p:nvPr>
+        </p:nvSpPr>
+        <p:spPr/>
+        <p:txBody>
+          <a:bodyPr/>
+          <a:lstStyle/>
+          <a:p>
+            <a:fld id="{B6C9A177-B583-4561-AADE-D5EE6023D4EA}" type="slidenum">
+              <a:rPr lang="en-IL" smtClean="0"/>
               <a:t>17</a:t>
             </a:fld>
             <a:endParaRPr lang="en-IL"/>
@@ -753,6 +1080,454 @@
     <p:extLst>
       <p:ext uri="{BB962C8B-B14F-4D97-AF65-F5344CB8AC3E}">
         <p14:creationId xmlns:p14="http://schemas.microsoft.com/office/powerpoint/2010/main" val="1478736327"/>
+      </p:ext>
+    </p:extLst>
+  </p:cSld>
+  <p:clrMapOvr>
+    <a:masterClrMapping/>
+  </p:clrMapOvr>
+</p:notes>
+</file>
+
+<file path=ppt/notesSlides/notesSlide15.xml><?xml version="1.0" encoding="utf-8"?>
+<p:notes xmlns:a="http://schemas.openxmlformats.org/drawingml/2006/main" xmlns:r="http://schemas.openxmlformats.org/officeDocument/2006/relationships" xmlns:p="http://schemas.openxmlformats.org/presentationml/2006/main">
+  <p:cSld>
+    <p:spTree>
+      <p:nvGrpSpPr>
+        <p:cNvPr id="1" name=""/>
+        <p:cNvGrpSpPr/>
+        <p:nvPr/>
+      </p:nvGrpSpPr>
+      <p:grpSpPr>
+        <a:xfrm>
+          <a:off x="0" y="0"/>
+          <a:ext cx="0" cy="0"/>
+          <a:chOff x="0" y="0"/>
+          <a:chExt cx="0" cy="0"/>
+        </a:xfrm>
+      </p:grpSpPr>
+      <p:sp>
+        <p:nvSpPr>
+          <p:cNvPr id="2" name="Slide Image Placeholder 1"/>
+          <p:cNvSpPr>
+            <a:spLocks noGrp="1" noRot="1" noChangeAspect="1"/>
+          </p:cNvSpPr>
+          <p:nvPr>
+            <p:ph type="sldImg"/>
+          </p:nvPr>
+        </p:nvSpPr>
+        <p:spPr/>
+      </p:sp>
+      <p:sp>
+        <p:nvSpPr>
+          <p:cNvPr id="3" name="Notes Placeholder 2"/>
+          <p:cNvSpPr>
+            <a:spLocks noGrp="1"/>
+          </p:cNvSpPr>
+          <p:nvPr>
+            <p:ph type="body" idx="1"/>
+          </p:nvPr>
+        </p:nvSpPr>
+        <p:spPr/>
+        <p:txBody>
+          <a:bodyPr/>
+          <a:lstStyle/>
+          <a:p>
+            <a:pPr marL="0" marR="0" lvl="0" indent="0" algn="l" defTabSz="914400" rtl="0" eaLnBrk="1" fontAlgn="auto" latinLnBrk="0" hangingPunct="1">
+              <a:lnSpc>
+                <a:spcPct val="100000"/>
+              </a:lnSpc>
+              <a:spcBef>
+                <a:spcPts val="0"/>
+              </a:spcBef>
+              <a:spcAft>
+                <a:spcPts val="0"/>
+              </a:spcAft>
+              <a:buClrTx/>
+              <a:buSzTx/>
+              <a:buFontTx/>
+              <a:buNone/>
+              <a:tabLst/>
+              <a:defRPr/>
+            </a:pPr>
+            <a:r>
+              <a:rPr lang="en-US" sz="1200" dirty="0">
+                <a:effectLst/>
+                <a:latin typeface="Calibri" panose="020F0502020204030204" pitchFamily="34" charset="0"/>
+                <a:ea typeface="Calibri" panose="020F0502020204030204" pitchFamily="34" charset="0"/>
+                <a:cs typeface="Arial" panose="020B0604020202020204" pitchFamily="34" charset="0"/>
+              </a:rPr>
+              <a:t>Kostya</a:t>
+            </a:r>
+          </a:p>
+          <a:p>
+            <a:endParaRPr lang="en-US" dirty="0"/>
+          </a:p>
+        </p:txBody>
+      </p:sp>
+      <p:sp>
+        <p:nvSpPr>
+          <p:cNvPr id="4" name="Slide Number Placeholder 3"/>
+          <p:cNvSpPr>
+            <a:spLocks noGrp="1"/>
+          </p:cNvSpPr>
+          <p:nvPr>
+            <p:ph type="sldNum" sz="quarter" idx="5"/>
+          </p:nvPr>
+        </p:nvSpPr>
+        <p:spPr/>
+        <p:txBody>
+          <a:bodyPr/>
+          <a:lstStyle/>
+          <a:p>
+            <a:fld id="{B6C9A177-B583-4561-AADE-D5EE6023D4EA}" type="slidenum">
+              <a:rPr lang="en-IL" smtClean="0"/>
+              <a:t>20</a:t>
+            </a:fld>
+            <a:endParaRPr lang="en-IL"/>
+          </a:p>
+        </p:txBody>
+      </p:sp>
+    </p:spTree>
+    <p:extLst>
+      <p:ext uri="{BB962C8B-B14F-4D97-AF65-F5344CB8AC3E}">
+        <p14:creationId xmlns:p14="http://schemas.microsoft.com/office/powerpoint/2010/main" val="2386713097"/>
+      </p:ext>
+    </p:extLst>
+  </p:cSld>
+  <p:clrMapOvr>
+    <a:masterClrMapping/>
+  </p:clrMapOvr>
+</p:notes>
+</file>
+
+<file path=ppt/notesSlides/notesSlide16.xml><?xml version="1.0" encoding="utf-8"?>
+<p:notes xmlns:a="http://schemas.openxmlformats.org/drawingml/2006/main" xmlns:r="http://schemas.openxmlformats.org/officeDocument/2006/relationships" xmlns:p="http://schemas.openxmlformats.org/presentationml/2006/main">
+  <p:cSld>
+    <p:spTree>
+      <p:nvGrpSpPr>
+        <p:cNvPr id="1" name=""/>
+        <p:cNvGrpSpPr/>
+        <p:nvPr/>
+      </p:nvGrpSpPr>
+      <p:grpSpPr>
+        <a:xfrm>
+          <a:off x="0" y="0"/>
+          <a:ext cx="0" cy="0"/>
+          <a:chOff x="0" y="0"/>
+          <a:chExt cx="0" cy="0"/>
+        </a:xfrm>
+      </p:grpSpPr>
+      <p:sp>
+        <p:nvSpPr>
+          <p:cNvPr id="2" name="Slide Image Placeholder 1"/>
+          <p:cNvSpPr>
+            <a:spLocks noGrp="1" noRot="1" noChangeAspect="1"/>
+          </p:cNvSpPr>
+          <p:nvPr>
+            <p:ph type="sldImg"/>
+          </p:nvPr>
+        </p:nvSpPr>
+        <p:spPr/>
+      </p:sp>
+      <p:sp>
+        <p:nvSpPr>
+          <p:cNvPr id="3" name="Notes Placeholder 2"/>
+          <p:cNvSpPr>
+            <a:spLocks noGrp="1"/>
+          </p:cNvSpPr>
+          <p:nvPr>
+            <p:ph type="body" idx="1"/>
+          </p:nvPr>
+        </p:nvSpPr>
+        <p:spPr/>
+        <p:txBody>
+          <a:bodyPr/>
+          <a:lstStyle/>
+          <a:p>
+            <a:pPr marL="0" marR="0" lvl="0" indent="0" algn="l" defTabSz="914400" rtl="0" eaLnBrk="1" fontAlgn="auto" latinLnBrk="0" hangingPunct="1">
+              <a:lnSpc>
+                <a:spcPct val="100000"/>
+              </a:lnSpc>
+              <a:spcBef>
+                <a:spcPts val="0"/>
+              </a:spcBef>
+              <a:spcAft>
+                <a:spcPts val="0"/>
+              </a:spcAft>
+              <a:buClrTx/>
+              <a:buSzTx/>
+              <a:buFontTx/>
+              <a:buNone/>
+              <a:tabLst/>
+              <a:defRPr/>
+            </a:pPr>
+            <a:r>
+              <a:rPr lang="en-US" sz="1200" dirty="0">
+                <a:effectLst/>
+                <a:latin typeface="Calibri" panose="020F0502020204030204" pitchFamily="34" charset="0"/>
+                <a:ea typeface="Calibri" panose="020F0502020204030204" pitchFamily="34" charset="0"/>
+                <a:cs typeface="Arial" panose="020B0604020202020204" pitchFamily="34" charset="0"/>
+              </a:rPr>
+              <a:t>Kostya</a:t>
+            </a:r>
+          </a:p>
+          <a:p>
+            <a:endParaRPr lang="en-US" dirty="0"/>
+          </a:p>
+        </p:txBody>
+      </p:sp>
+      <p:sp>
+        <p:nvSpPr>
+          <p:cNvPr id="4" name="Slide Number Placeholder 3"/>
+          <p:cNvSpPr>
+            <a:spLocks noGrp="1"/>
+          </p:cNvSpPr>
+          <p:nvPr>
+            <p:ph type="sldNum" sz="quarter" idx="5"/>
+          </p:nvPr>
+        </p:nvSpPr>
+        <p:spPr/>
+        <p:txBody>
+          <a:bodyPr/>
+          <a:lstStyle/>
+          <a:p>
+            <a:fld id="{B6C9A177-B583-4561-AADE-D5EE6023D4EA}" type="slidenum">
+              <a:rPr lang="en-IL" smtClean="0"/>
+              <a:t>21</a:t>
+            </a:fld>
+            <a:endParaRPr lang="en-IL"/>
+          </a:p>
+        </p:txBody>
+      </p:sp>
+    </p:spTree>
+    <p:extLst>
+      <p:ext uri="{BB962C8B-B14F-4D97-AF65-F5344CB8AC3E}">
+        <p14:creationId xmlns:p14="http://schemas.microsoft.com/office/powerpoint/2010/main" val="2721689723"/>
+      </p:ext>
+    </p:extLst>
+  </p:cSld>
+  <p:clrMapOvr>
+    <a:masterClrMapping/>
+  </p:clrMapOvr>
+</p:notes>
+</file>
+
+<file path=ppt/notesSlides/notesSlide17.xml><?xml version="1.0" encoding="utf-8"?>
+<p:notes xmlns:a="http://schemas.openxmlformats.org/drawingml/2006/main" xmlns:r="http://schemas.openxmlformats.org/officeDocument/2006/relationships" xmlns:p="http://schemas.openxmlformats.org/presentationml/2006/main">
+  <p:cSld>
+    <p:spTree>
+      <p:nvGrpSpPr>
+        <p:cNvPr id="1" name=""/>
+        <p:cNvGrpSpPr/>
+        <p:nvPr/>
+      </p:nvGrpSpPr>
+      <p:grpSpPr>
+        <a:xfrm>
+          <a:off x="0" y="0"/>
+          <a:ext cx="0" cy="0"/>
+          <a:chOff x="0" y="0"/>
+          <a:chExt cx="0" cy="0"/>
+        </a:xfrm>
+      </p:grpSpPr>
+      <p:sp>
+        <p:nvSpPr>
+          <p:cNvPr id="2" name="Slide Image Placeholder 1"/>
+          <p:cNvSpPr>
+            <a:spLocks noGrp="1" noRot="1" noChangeAspect="1"/>
+          </p:cNvSpPr>
+          <p:nvPr>
+            <p:ph type="sldImg"/>
+          </p:nvPr>
+        </p:nvSpPr>
+        <p:spPr/>
+      </p:sp>
+      <p:sp>
+        <p:nvSpPr>
+          <p:cNvPr id="3" name="Notes Placeholder 2"/>
+          <p:cNvSpPr>
+            <a:spLocks noGrp="1"/>
+          </p:cNvSpPr>
+          <p:nvPr>
+            <p:ph type="body" idx="1"/>
+          </p:nvPr>
+        </p:nvSpPr>
+        <p:spPr/>
+        <p:txBody>
+          <a:bodyPr/>
+          <a:lstStyle/>
+          <a:p>
+            <a:pPr marL="0" marR="0" lvl="0" indent="0" algn="l" defTabSz="914400" rtl="0" eaLnBrk="1" fontAlgn="auto" latinLnBrk="0" hangingPunct="1">
+              <a:lnSpc>
+                <a:spcPct val="100000"/>
+              </a:lnSpc>
+              <a:spcBef>
+                <a:spcPts val="0"/>
+              </a:spcBef>
+              <a:spcAft>
+                <a:spcPts val="0"/>
+              </a:spcAft>
+              <a:buClrTx/>
+              <a:buSzTx/>
+              <a:buFontTx/>
+              <a:buNone/>
+              <a:tabLst/>
+              <a:defRPr/>
+            </a:pPr>
+            <a:r>
+              <a:rPr lang="en-US" sz="1200" dirty="0">
+                <a:effectLst/>
+                <a:latin typeface="Calibri" panose="020F0502020204030204" pitchFamily="34" charset="0"/>
+                <a:ea typeface="Calibri" panose="020F0502020204030204" pitchFamily="34" charset="0"/>
+                <a:cs typeface="Arial" panose="020B0604020202020204" pitchFamily="34" charset="0"/>
+              </a:rPr>
+              <a:t>Kostya</a:t>
+            </a:r>
+          </a:p>
+          <a:p>
+            <a:endParaRPr lang="en-US" dirty="0"/>
+          </a:p>
+        </p:txBody>
+      </p:sp>
+      <p:sp>
+        <p:nvSpPr>
+          <p:cNvPr id="4" name="Slide Number Placeholder 3"/>
+          <p:cNvSpPr>
+            <a:spLocks noGrp="1"/>
+          </p:cNvSpPr>
+          <p:nvPr>
+            <p:ph type="sldNum" sz="quarter" idx="5"/>
+          </p:nvPr>
+        </p:nvSpPr>
+        <p:spPr/>
+        <p:txBody>
+          <a:bodyPr/>
+          <a:lstStyle/>
+          <a:p>
+            <a:fld id="{B6C9A177-B583-4561-AADE-D5EE6023D4EA}" type="slidenum">
+              <a:rPr lang="en-IL" smtClean="0"/>
+              <a:t>22</a:t>
+            </a:fld>
+            <a:endParaRPr lang="en-IL"/>
+          </a:p>
+        </p:txBody>
+      </p:sp>
+    </p:spTree>
+    <p:extLst>
+      <p:ext uri="{BB962C8B-B14F-4D97-AF65-F5344CB8AC3E}">
+        <p14:creationId xmlns:p14="http://schemas.microsoft.com/office/powerpoint/2010/main" val="2311202324"/>
+      </p:ext>
+    </p:extLst>
+  </p:cSld>
+  <p:clrMapOvr>
+    <a:masterClrMapping/>
+  </p:clrMapOvr>
+</p:notes>
+</file>
+
+<file path=ppt/notesSlides/notesSlide18.xml><?xml version="1.0" encoding="utf-8"?>
+<p:notes xmlns:a="http://schemas.openxmlformats.org/drawingml/2006/main" xmlns:r="http://schemas.openxmlformats.org/officeDocument/2006/relationships" xmlns:p="http://schemas.openxmlformats.org/presentationml/2006/main">
+  <p:cSld>
+    <p:spTree>
+      <p:nvGrpSpPr>
+        <p:cNvPr id="1" name=""/>
+        <p:cNvGrpSpPr/>
+        <p:nvPr/>
+      </p:nvGrpSpPr>
+      <p:grpSpPr>
+        <a:xfrm>
+          <a:off x="0" y="0"/>
+          <a:ext cx="0" cy="0"/>
+          <a:chOff x="0" y="0"/>
+          <a:chExt cx="0" cy="0"/>
+        </a:xfrm>
+      </p:grpSpPr>
+      <p:sp>
+        <p:nvSpPr>
+          <p:cNvPr id="2" name="Slide Image Placeholder 1"/>
+          <p:cNvSpPr>
+            <a:spLocks noGrp="1" noRot="1" noChangeAspect="1"/>
+          </p:cNvSpPr>
+          <p:nvPr>
+            <p:ph type="sldImg"/>
+          </p:nvPr>
+        </p:nvSpPr>
+        <p:spPr/>
+      </p:sp>
+      <p:sp>
+        <p:nvSpPr>
+          <p:cNvPr id="3" name="Notes Placeholder 2"/>
+          <p:cNvSpPr>
+            <a:spLocks noGrp="1"/>
+          </p:cNvSpPr>
+          <p:nvPr>
+            <p:ph type="body" idx="1"/>
+          </p:nvPr>
+        </p:nvSpPr>
+        <p:spPr/>
+        <p:txBody>
+          <a:bodyPr/>
+          <a:lstStyle/>
+          <a:p>
+            <a:pPr marL="0" marR="0" lvl="0" indent="0" algn="l" defTabSz="914400" rtl="0" eaLnBrk="1" fontAlgn="auto" latinLnBrk="0" hangingPunct="1">
+              <a:lnSpc>
+                <a:spcPct val="100000"/>
+              </a:lnSpc>
+              <a:spcBef>
+                <a:spcPts val="0"/>
+              </a:spcBef>
+              <a:spcAft>
+                <a:spcPts val="0"/>
+              </a:spcAft>
+              <a:buClrTx/>
+              <a:buSzTx/>
+              <a:buFontTx/>
+              <a:buNone/>
+              <a:tabLst/>
+              <a:defRPr/>
+            </a:pPr>
+            <a:r>
+              <a:rPr lang="en-US" sz="1200" dirty="0">
+                <a:effectLst/>
+                <a:latin typeface="Calibri" panose="020F0502020204030204" pitchFamily="34" charset="0"/>
+                <a:ea typeface="Calibri" panose="020F0502020204030204" pitchFamily="34" charset="0"/>
+                <a:cs typeface="Arial" panose="020B0604020202020204" pitchFamily="34" charset="0"/>
+              </a:rPr>
+              <a:t>Kostya</a:t>
+            </a:r>
+          </a:p>
+          <a:p>
+            <a:endParaRPr lang="en-US" dirty="0"/>
+          </a:p>
+        </p:txBody>
+      </p:sp>
+      <p:sp>
+        <p:nvSpPr>
+          <p:cNvPr id="4" name="Slide Number Placeholder 3"/>
+          <p:cNvSpPr>
+            <a:spLocks noGrp="1"/>
+          </p:cNvSpPr>
+          <p:nvPr>
+            <p:ph type="sldNum" sz="quarter" idx="5"/>
+          </p:nvPr>
+        </p:nvSpPr>
+        <p:spPr/>
+        <p:txBody>
+          <a:bodyPr/>
+          <a:lstStyle/>
+          <a:p>
+            <a:fld id="{B6C9A177-B583-4561-AADE-D5EE6023D4EA}" type="slidenum">
+              <a:rPr lang="en-IL" smtClean="0"/>
+              <a:t>23</a:t>
+            </a:fld>
+            <a:endParaRPr lang="en-IL"/>
+          </a:p>
+        </p:txBody>
+      </p:sp>
+    </p:spTree>
+    <p:extLst>
+      <p:ext uri="{BB962C8B-B14F-4D97-AF65-F5344CB8AC3E}">
+        <p14:creationId xmlns:p14="http://schemas.microsoft.com/office/powerpoint/2010/main" val="1790595156"/>
       </p:ext>
     </p:extLst>
   </p:cSld>
@@ -805,6 +1580,34 @@
         <p:txBody>
           <a:bodyPr/>
           <a:lstStyle/>
+          <a:p>
+            <a:pPr marL="0" marR="0" lvl="0" indent="0" algn="l" defTabSz="914400" rtl="0" eaLnBrk="1" fontAlgn="auto" latinLnBrk="0" hangingPunct="1">
+              <a:lnSpc>
+                <a:spcPct val="100000"/>
+              </a:lnSpc>
+              <a:spcBef>
+                <a:spcPts val="0"/>
+              </a:spcBef>
+              <a:spcAft>
+                <a:spcPts val="0"/>
+              </a:spcAft>
+              <a:buClrTx/>
+              <a:buSzTx/>
+              <a:buFontTx/>
+              <a:buNone/>
+              <a:tabLst/>
+              <a:defRPr/>
+            </a:pPr>
+            <a:r>
+              <a:rPr lang="en-US" sz="1800" dirty="0">
+                <a:effectLst/>
+                <a:latin typeface="Calibri" panose="020F0502020204030204" pitchFamily="34" charset="0"/>
+                <a:ea typeface="Calibri" panose="020F0502020204030204" pitchFamily="34" charset="0"/>
+                <a:cs typeface="Arial" panose="020B0604020202020204" pitchFamily="34" charset="0"/>
+              </a:rPr>
+              <a:t>Kostya</a:t>
+            </a:r>
+          </a:p>
           <a:p>
             <a:pPr marL="0" marR="0" lvl="0" indent="0" algn="l" defTabSz="914400" rtl="0" eaLnBrk="1" fontAlgn="auto" latinLnBrk="0" hangingPunct="1">
               <a:lnSpc>
@@ -929,6 +1732,34 @@
               <a:tabLst/>
               <a:defRPr/>
             </a:pPr>
+            <a:r>
+              <a:rPr lang="en-US" sz="1800" dirty="0">
+                <a:effectLst/>
+                <a:latin typeface="Calibri" panose="020F0502020204030204" pitchFamily="34" charset="0"/>
+                <a:ea typeface="Calibri" panose="020F0502020204030204" pitchFamily="34" charset="0"/>
+                <a:cs typeface="Arial" panose="020B0604020202020204" pitchFamily="34" charset="0"/>
+              </a:rPr>
+              <a:t>Kostya</a:t>
+            </a:r>
+          </a:p>
+          <a:p>
+            <a:pPr marL="0" marR="0" lvl="0" indent="0" algn="l" defTabSz="914400" rtl="0" eaLnBrk="1" fontAlgn="auto" latinLnBrk="0" hangingPunct="1">
+              <a:lnSpc>
+                <a:spcPct val="100000"/>
+              </a:lnSpc>
+              <a:spcBef>
+                <a:spcPts val="0"/>
+              </a:spcBef>
+              <a:spcAft>
+                <a:spcPts val="0"/>
+              </a:spcAft>
+              <a:buClrTx/>
+              <a:buSzTx/>
+              <a:buFontTx/>
+              <a:buNone/>
+              <a:tabLst/>
+              <a:defRPr/>
+            </a:pPr>
             <a:endParaRPr lang="en-US" sz="1800" dirty="0">
               <a:effectLst/>
               <a:latin typeface="Calibri" panose="020F0502020204030204" pitchFamily="34" charset="0"/>
@@ -1035,6 +1866,34 @@
               <a:tabLst/>
               <a:defRPr/>
             </a:pPr>
+            <a:r>
+              <a:rPr lang="en-US" sz="1800" dirty="0">
+                <a:effectLst/>
+                <a:latin typeface="Calibri" panose="020F0502020204030204" pitchFamily="34" charset="0"/>
+                <a:ea typeface="Calibri" panose="020F0502020204030204" pitchFamily="34" charset="0"/>
+                <a:cs typeface="Arial" panose="020B0604020202020204" pitchFamily="34" charset="0"/>
+              </a:rPr>
+              <a:t>Kostya</a:t>
+            </a:r>
+          </a:p>
+          <a:p>
+            <a:pPr marL="0" marR="0" lvl="0" indent="0" algn="l" defTabSz="914400" rtl="0" eaLnBrk="1" fontAlgn="auto" latinLnBrk="0" hangingPunct="1">
+              <a:lnSpc>
+                <a:spcPct val="100000"/>
+              </a:lnSpc>
+              <a:spcBef>
+                <a:spcPts val="0"/>
+              </a:spcBef>
+              <a:spcAft>
+                <a:spcPts val="0"/>
+              </a:spcAft>
+              <a:buClrTx/>
+              <a:buSzTx/>
+              <a:buFontTx/>
+              <a:buNone/>
+              <a:tabLst/>
+              <a:defRPr/>
+            </a:pPr>
             <a:endParaRPr lang="en-US" sz="1800" dirty="0">
               <a:effectLst/>
               <a:latin typeface="Calibri" panose="020F0502020204030204" pitchFamily="34" charset="0"/>
@@ -1124,6 +1983,34 @@
           <a:bodyPr/>
           <a:lstStyle/>
           <a:p>
+            <a:pPr marL="0" marR="0" lvl="0" indent="0" algn="l" defTabSz="914400" rtl="0" eaLnBrk="1" fontAlgn="auto" latinLnBrk="0" hangingPunct="1">
+              <a:lnSpc>
+                <a:spcPct val="107000"/>
+              </a:lnSpc>
+              <a:spcBef>
+                <a:spcPts val="0"/>
+              </a:spcBef>
+              <a:spcAft>
+                <a:spcPts val="800"/>
+              </a:spcAft>
+              <a:buClrTx/>
+              <a:buSzTx/>
+              <a:buFontTx/>
+              <a:buNone/>
+              <a:tabLst/>
+              <a:defRPr/>
+            </a:pPr>
+            <a:r>
+              <a:rPr lang="en-US" sz="1800" dirty="0">
+                <a:effectLst/>
+                <a:latin typeface="Calibri" panose="020F0502020204030204" pitchFamily="34" charset="0"/>
+                <a:ea typeface="Calibri" panose="020F0502020204030204" pitchFamily="34" charset="0"/>
+                <a:cs typeface="Arial" panose="020B0604020202020204" pitchFamily="34" charset="0"/>
+              </a:rPr>
+              <a:t>Kostya</a:t>
+            </a:r>
+          </a:p>
+          <a:p>
             <a:pPr marL="0" marR="0">
               <a:lnSpc>
                 <a:spcPct val="107000"/>
@@ -1224,23 +2111,35 @@
           <a:bodyPr/>
           <a:lstStyle/>
           <a:p>
-            <a:pPr marL="0" marR="0">
+            <a:pPr marL="0" marR="0" lvl="0" indent="0" algn="l" defTabSz="914400" rtl="0" eaLnBrk="1" fontAlgn="auto" latinLnBrk="0" hangingPunct="1">
               <a:lnSpc>
-                <a:spcPct val="107000"/>
+                <a:spcPct val="100000"/>
               </a:lnSpc>
               <a:spcBef>
                 <a:spcPts val="0"/>
               </a:spcBef>
               <a:spcAft>
-                <a:spcPts val="800"/>
+                <a:spcPts val="0"/>
               </a:spcAft>
+              <a:buClrTx/>
+              <a:buSzTx/>
+              <a:buFontTx/>
+              <a:buNone/>
+              <a:tabLst/>
+              <a:defRPr/>
             </a:pPr>
-            <a:endParaRPr lang="en-US" sz="1800" dirty="0">
-              <a:effectLst/>
-              <a:latin typeface="Calibri" panose="020F0502020204030204" pitchFamily="34" charset="0"/>
-              <a:ea typeface="Calibri" panose="020F0502020204030204" pitchFamily="34" charset="0"/>
-              <a:cs typeface="Arial" panose="020B0604020202020204" pitchFamily="34" charset="0"/>
-            </a:endParaRPr>
+            <a:r>
+              <a:rPr lang="en-US" sz="1200" dirty="0">
+                <a:effectLst/>
+                <a:latin typeface="Calibri" panose="020F0502020204030204" pitchFamily="34" charset="0"/>
+                <a:ea typeface="Calibri" panose="020F0502020204030204" pitchFamily="34" charset="0"/>
+                <a:cs typeface="Arial" panose="020B0604020202020204" pitchFamily="34" charset="0"/>
+              </a:rPr>
+              <a:t>Kostya</a:t>
+            </a:r>
+          </a:p>
+          <a:p>
+            <a:endParaRPr lang="en-US" dirty="0"/>
           </a:p>
         </p:txBody>
       </p:sp>
@@ -1261,7 +2160,7 @@
           <a:p>
             <a:fld id="{B6C9A177-B583-4561-AADE-D5EE6023D4EA}" type="slidenum">
               <a:rPr lang="en-IL" smtClean="0"/>
-              <a:t>7</a:t>
+              <a:t>6</a:t>
             </a:fld>
             <a:endParaRPr lang="en-IL"/>
           </a:p>
@@ -1270,7 +2169,7 @@
     </p:spTree>
     <p:extLst>
       <p:ext uri="{BB962C8B-B14F-4D97-AF65-F5344CB8AC3E}">
-        <p14:creationId xmlns:p14="http://schemas.microsoft.com/office/powerpoint/2010/main" val="1876236266"/>
+        <p14:creationId xmlns:p14="http://schemas.microsoft.com/office/powerpoint/2010/main" val="519041936"/>
       </p:ext>
     </p:extLst>
   </p:cSld>
@@ -1324,7 +2223,51 @@
           <a:bodyPr/>
           <a:lstStyle/>
           <a:p>
-            <a:endParaRPr lang="en-IL" dirty="0"/>
+            <a:pPr marL="0" marR="0" lvl="0" indent="0" algn="l" defTabSz="914400" rtl="0" eaLnBrk="1" fontAlgn="auto" latinLnBrk="0" hangingPunct="1">
+              <a:lnSpc>
+                <a:spcPct val="107000"/>
+              </a:lnSpc>
+              <a:spcBef>
+                <a:spcPts val="0"/>
+              </a:spcBef>
+              <a:spcAft>
+                <a:spcPts val="800"/>
+              </a:spcAft>
+              <a:buClrTx/>
+              <a:buSzTx/>
+              <a:buFontTx/>
+              <a:buNone/>
+              <a:tabLst/>
+              <a:defRPr/>
+            </a:pPr>
+            <a:r>
+              <a:rPr lang="en-US" sz="1800" dirty="0">
+                <a:effectLst/>
+                <a:latin typeface="Calibri" panose="020F0502020204030204" pitchFamily="34" charset="0"/>
+                <a:ea typeface="Calibri" panose="020F0502020204030204" pitchFamily="34" charset="0"/>
+                <a:cs typeface="Arial" panose="020B0604020202020204" pitchFamily="34" charset="0"/>
+              </a:rPr>
+              <a:t>Kostya</a:t>
+            </a:r>
+          </a:p>
+          <a:p>
+            <a:pPr marL="0" marR="0">
+              <a:lnSpc>
+                <a:spcPct val="107000"/>
+              </a:lnSpc>
+              <a:spcBef>
+                <a:spcPts val="0"/>
+              </a:spcBef>
+              <a:spcAft>
+                <a:spcPts val="800"/>
+              </a:spcAft>
+            </a:pPr>
+            <a:endParaRPr lang="en-US" sz="1800" dirty="0">
+              <a:effectLst/>
+              <a:latin typeface="Calibri" panose="020F0502020204030204" pitchFamily="34" charset="0"/>
+              <a:ea typeface="Calibri" panose="020F0502020204030204" pitchFamily="34" charset="0"/>
+              <a:cs typeface="Arial" panose="020B0604020202020204" pitchFamily="34" charset="0"/>
+            </a:endParaRPr>
           </a:p>
         </p:txBody>
       </p:sp>
@@ -1345,7 +2288,7 @@
           <a:p>
             <a:fld id="{B6C9A177-B583-4561-AADE-D5EE6023D4EA}" type="slidenum">
               <a:rPr lang="en-IL" smtClean="0"/>
-              <a:t>9</a:t>
+              <a:t>7</a:t>
             </a:fld>
             <a:endParaRPr lang="en-IL"/>
           </a:p>
@@ -1354,7 +2297,7 @@
     </p:spTree>
     <p:extLst>
       <p:ext uri="{BB962C8B-B14F-4D97-AF65-F5344CB8AC3E}">
-        <p14:creationId xmlns:p14="http://schemas.microsoft.com/office/powerpoint/2010/main" val="3660426384"/>
+        <p14:creationId xmlns:p14="http://schemas.microsoft.com/office/powerpoint/2010/main" val="1876236266"/>
       </p:ext>
     </p:extLst>
   </p:cSld>
@@ -1408,23 +2351,7 @@
           <a:bodyPr/>
           <a:lstStyle/>
           <a:p>
-            <a:pPr marL="0" marR="0" rtl="0">
-              <a:lnSpc>
-                <a:spcPct val="107000"/>
-              </a:lnSpc>
-              <a:spcBef>
-                <a:spcPts val="0"/>
-              </a:spcBef>
-              <a:spcAft>
-                <a:spcPts val="800"/>
-              </a:spcAft>
-            </a:pPr>
-            <a:endParaRPr lang="en-US" sz="1800" dirty="0">
-              <a:effectLst/>
-              <a:latin typeface="Calibri" panose="020F0502020204030204" pitchFamily="34" charset="0"/>
-              <a:ea typeface="Calibri" panose="020F0502020204030204" pitchFamily="34" charset="0"/>
-              <a:cs typeface="Arial" panose="020B0604020202020204" pitchFamily="34" charset="0"/>
-            </a:endParaRPr>
+            <a:endParaRPr lang="en-US" dirty="0"/>
           </a:p>
         </p:txBody>
       </p:sp>
@@ -1445,7 +2372,7 @@
           <a:p>
             <a:fld id="{B6C9A177-B583-4561-AADE-D5EE6023D4EA}" type="slidenum">
               <a:rPr lang="en-IL" smtClean="0"/>
-              <a:t>11</a:t>
+              <a:t>8</a:t>
             </a:fld>
             <a:endParaRPr lang="en-IL"/>
           </a:p>
@@ -1454,7 +2381,7 @@
     </p:spTree>
     <p:extLst>
       <p:ext uri="{BB962C8B-B14F-4D97-AF65-F5344CB8AC3E}">
-        <p14:creationId xmlns:p14="http://schemas.microsoft.com/office/powerpoint/2010/main" val="2215016413"/>
+        <p14:creationId xmlns:p14="http://schemas.microsoft.com/office/powerpoint/2010/main" val="1868474498"/>
       </p:ext>
     </p:extLst>
   </p:cSld>
@@ -1508,7 +2435,7 @@
           <a:bodyPr/>
           <a:lstStyle/>
           <a:p>
-            <a:endParaRPr lang="en-US" dirty="0"/>
+            <a:endParaRPr lang="en-IL" dirty="0"/>
           </a:p>
         </p:txBody>
       </p:sp>
@@ -1529,7 +2456,7 @@
           <a:p>
             <a:fld id="{B6C9A177-B583-4561-AADE-D5EE6023D4EA}" type="slidenum">
               <a:rPr lang="en-IL" smtClean="0"/>
-              <a:t>12</a:t>
+              <a:t>9</a:t>
             </a:fld>
             <a:endParaRPr lang="en-IL"/>
           </a:p>
@@ -1538,7 +2465,7 @@
     </p:spTree>
     <p:extLst>
       <p:ext uri="{BB962C8B-B14F-4D97-AF65-F5344CB8AC3E}">
-        <p14:creationId xmlns:p14="http://schemas.microsoft.com/office/powerpoint/2010/main" val="3832244731"/>
+        <p14:creationId xmlns:p14="http://schemas.microsoft.com/office/powerpoint/2010/main" val="3660426384"/>
       </p:ext>
     </p:extLst>
   </p:cSld>
@@ -1736,7 +2663,7 @@
           <a:p>
             <a:fld id="{1BE26619-FD3A-4BBF-A2A0-E1FBB680C651}" type="datetime8">
               <a:rPr lang="en-IL" smtClean="0"/>
-              <a:t>09/01/2022 23:32</a:t>
+              <a:t>10/01/2022 3:16</a:t>
             </a:fld>
             <a:endParaRPr lang="en-IL"/>
           </a:p>
@@ -2074,7 +3001,7 @@
           <a:p>
             <a:fld id="{043AD88C-4040-405A-9751-C4BF118224B0}" type="datetime8">
               <a:rPr lang="en-IL" smtClean="0"/>
-              <a:t>09/01/2022 23:32</a:t>
+              <a:t>10/01/2022 3:16</a:t>
             </a:fld>
             <a:endParaRPr lang="en-IL"/>
           </a:p>
@@ -2475,7 +3402,7 @@
           <a:p>
             <a:fld id="{23D500A4-73D1-4765-9761-2171A5F34B86}" type="datetime8">
               <a:rPr lang="en-IL" smtClean="0"/>
-              <a:t>09/01/2022 23:32</a:t>
+              <a:t>10/01/2022 3:16</a:t>
             </a:fld>
             <a:endParaRPr lang="en-IL"/>
           </a:p>
@@ -2811,7 +3738,7 @@
           <a:p>
             <a:fld id="{E7186253-7975-497A-8639-DE84354A30E0}" type="datetime8">
               <a:rPr lang="en-IL" smtClean="0"/>
-              <a:t>09/01/2022 23:32</a:t>
+              <a:t>10/01/2022 3:16</a:t>
             </a:fld>
             <a:endParaRPr lang="en-IL"/>
           </a:p>
@@ -3131,7 +4058,7 @@
           <a:p>
             <a:fld id="{15492DBE-8243-4A39-96F3-12997C00B46B}" type="datetime8">
               <a:rPr lang="en-IL" smtClean="0"/>
-              <a:t>09/01/2022 23:32</a:t>
+              <a:t>10/01/2022 3:16</a:t>
             </a:fld>
             <a:endParaRPr lang="en-IL"/>
           </a:p>
@@ -3527,7 +4454,7 @@
           <a:p>
             <a:fld id="{287E2476-741B-49AF-89E1-F690C9A1F98F}" type="datetime8">
               <a:rPr lang="en-IL" smtClean="0"/>
-              <a:t>09/01/2022 23:32</a:t>
+              <a:t>10/01/2022 3:16</a:t>
             </a:fld>
             <a:endParaRPr lang="en-IL"/>
           </a:p>
@@ -3784,7 +4711,7 @@
           <a:p>
             <a:fld id="{98B16C9C-E3F4-4EA7-AC43-9DA86201FB2E}" type="datetime8">
               <a:rPr lang="en-IL" smtClean="0"/>
-              <a:t>09/01/2022 23:32</a:t>
+              <a:t>10/01/2022 3:16</a:t>
             </a:fld>
             <a:endParaRPr lang="en-IL"/>
           </a:p>
@@ -4046,7 +4973,7 @@
           <a:p>
             <a:fld id="{45BD3651-09F9-4C26-BCD8-A9C0F8B0946D}" type="datetime8">
               <a:rPr lang="en-IL" smtClean="0"/>
-              <a:t>09/01/2022 23:32</a:t>
+              <a:t>10/01/2022 3:16</a:t>
             </a:fld>
             <a:endParaRPr lang="en-IL"/>
           </a:p>
@@ -4308,7 +5235,7 @@
           <a:p>
             <a:fld id="{9D5CA641-8483-4D6B-95CE-3B4ACCED688D}" type="datetime8">
               <a:rPr lang="en-IL" smtClean="0"/>
-              <a:t>09/01/2022 23:32</a:t>
+              <a:t>10/01/2022 3:16</a:t>
             </a:fld>
             <a:endParaRPr lang="en-IL"/>
           </a:p>
@@ -4637,7 +5564,7 @@
           <a:p>
             <a:fld id="{A9E8FF0D-8981-46D5-A7A6-FAB6F51C94F1}" type="datetime8">
               <a:rPr lang="en-IL" smtClean="0"/>
-              <a:t>09/01/2022 23:32</a:t>
+              <a:t>10/01/2022 3:16</a:t>
             </a:fld>
             <a:endParaRPr lang="en-IL"/>
           </a:p>
@@ -4960,7 +5887,7 @@
           <a:p>
             <a:fld id="{84541FD9-12BD-44A4-BE63-EB2FB53ED75B}" type="datetime8">
               <a:rPr lang="en-IL" smtClean="0"/>
-              <a:t>09/01/2022 23:32</a:t>
+              <a:t>10/01/2022 3:16</a:t>
             </a:fld>
             <a:endParaRPr lang="en-IL"/>
           </a:p>
@@ -5417,7 +6344,7 @@
           <a:p>
             <a:fld id="{8B725A0C-0C91-4B28-A2AC-A2D8264CCDD6}" type="datetime8">
               <a:rPr lang="en-IL" smtClean="0"/>
-              <a:t>09/01/2022 23:32</a:t>
+              <a:t>10/01/2022 3:16</a:t>
             </a:fld>
             <a:endParaRPr lang="en-IL"/>
           </a:p>
@@ -5622,7 +6549,7 @@
           <a:p>
             <a:fld id="{DE1E5A11-9D79-4A6B-8D28-6E8FAB494B73}" type="datetime8">
               <a:rPr lang="en-IL" smtClean="0"/>
-              <a:t>09/01/2022 23:32</a:t>
+              <a:t>10/01/2022 3:16</a:t>
             </a:fld>
             <a:endParaRPr lang="en-IL"/>
           </a:p>
@@ -5799,7 +6726,7 @@
           <a:p>
             <a:fld id="{9F9C72A4-4A29-4B20-BFB4-785E6F7B8515}" type="datetime8">
               <a:rPr lang="en-IL" smtClean="0"/>
-              <a:t>09/01/2022 23:32</a:t>
+              <a:t>10/01/2022 3:16</a:t>
             </a:fld>
             <a:endParaRPr lang="en-IL"/>
           </a:p>
@@ -6132,7 +7059,7 @@
           <a:p>
             <a:fld id="{01E4CC4F-14FD-4F83-A5BD-D137CE77FB06}" type="datetime8">
               <a:rPr lang="en-IL" smtClean="0"/>
-              <a:t>09/01/2022 23:32</a:t>
+              <a:t>10/01/2022 3:16</a:t>
             </a:fld>
             <a:endParaRPr lang="en-IL"/>
           </a:p>
@@ -6477,7 +7404,7 @@
           <a:p>
             <a:fld id="{4CBEB50E-AF71-476A-A62B-381B28A5D93A}" type="datetime8">
               <a:rPr lang="en-IL" smtClean="0"/>
-              <a:t>09/01/2022 23:32</a:t>
+              <a:t>10/01/2022 3:16</a:t>
             </a:fld>
             <a:endParaRPr lang="en-IL"/>
           </a:p>
@@ -8594,7 +9521,7 @@
           <a:p>
             <a:fld id="{6DF0248B-9949-4ED7-8310-5E74FA75B7A3}" type="datetime8">
               <a:rPr lang="en-IL" smtClean="0"/>
-              <a:t>09/01/2022 23:32</a:t>
+              <a:t>10/01/2022 3:16</a:t>
             </a:fld>
             <a:endParaRPr lang="en-IL"/>
           </a:p>
@@ -9553,8 +10480,8 @@
           </a:p>
         </p:txBody>
       </p:sp>
-      <mc:AlternateContent xmlns:mc="http://schemas.openxmlformats.org/markup-compatibility/2006">
-        <mc:Choice xmlns:a14="http://schemas.microsoft.com/office/drawing/2010/main" Requires="a14">
+      <mc:AlternateContent xmlns:mc="http://schemas.openxmlformats.org/markup-compatibility/2006" xmlns:a14="http://schemas.microsoft.com/office/drawing/2010/main">
+        <mc:Choice Requires="a14">
           <p:sp>
             <p:nvSpPr>
               <p:cNvPr id="3" name="Content Placeholder 2">
@@ -9899,7 +10826,7 @@
             </p:txBody>
           </p:sp>
         </mc:Choice>
-        <mc:Fallback>
+        <mc:Fallback xmlns="">
           <p:sp>
             <p:nvSpPr>
               <p:cNvPr id="3" name="Content Placeholder 2">
@@ -10403,8 +11330,8 @@
           </a:p>
         </p:txBody>
       </p:sp>
-      <mc:AlternateContent xmlns:mc="http://schemas.openxmlformats.org/markup-compatibility/2006">
-        <mc:Choice xmlns:a14="http://schemas.microsoft.com/office/drawing/2010/main" Requires="a14">
+      <mc:AlternateContent xmlns:mc="http://schemas.openxmlformats.org/markup-compatibility/2006" xmlns:a14="http://schemas.microsoft.com/office/drawing/2010/main">
+        <mc:Choice Requires="a14">
           <p:sp>
             <p:nvSpPr>
               <p:cNvPr id="3" name="Content Placeholder 2">
@@ -10555,7 +11482,7 @@
             </p:txBody>
           </p:sp>
         </mc:Choice>
-        <mc:Fallback>
+        <mc:Fallback xmlns="">
           <p:sp>
             <p:nvSpPr>
               <p:cNvPr id="3" name="Content Placeholder 2">
@@ -10578,7 +11505,7 @@
                 <a:ext cx="9156828" cy="4676939"/>
               </a:xfrm>
               <a:blipFill>
-                <a:blip r:embed="rId2"/>
+                <a:blip r:embed="rId3"/>
                 <a:stretch>
                   <a:fillRect l="-466"/>
                 </a:stretch>
@@ -15059,7 +15986,7 @@
             </a:pPr>
             <a:r>
               <a:rPr lang="en-US" dirty="0">
-                <a:hlinkClick r:id="rId2"/>
+                <a:hlinkClick r:id="rId3"/>
               </a:rPr>
               <a:t>https://drive.google.com/file/d/1y4u0PxydkVnQSlVZlYOAni0MqB8XKGCO/view</a:t>
             </a:r>
@@ -15295,7 +16222,7 @@
           <p:nvPr/>
         </p:nvPicPr>
         <p:blipFill rotWithShape="1">
-          <a:blip r:embed="rId2"/>
+          <a:blip r:embed="rId3"/>
           <a:srcRect t="9467" r="82365"/>
           <a:stretch/>
         </p:blipFill>
@@ -15461,7 +16388,7 @@
           <p:nvPr/>
         </p:nvPicPr>
         <p:blipFill>
-          <a:blip r:embed="rId2"/>
+          <a:blip r:embed="rId3"/>
           <a:stretch>
             <a:fillRect/>
           </a:stretch>

--- a/Capstone Project 21-2-R-13.pptx
+++ b/Capstone Project 21-2-R-13.pptx
@@ -556,7 +556,114 @@
                 <a:ea typeface="Calibri" panose="020F0502020204030204" pitchFamily="34" charset="0"/>
                 <a:cs typeface="Arial" panose="020B0604020202020204" pitchFamily="34" charset="0"/>
               </a:rPr>
-              <a:t>Kostya</a:t>
+              <a:t>Hello everyone, my name is Kostya Maltcev and...</a:t>
+            </a:r>
+          </a:p>
+          <a:p>
+            <a:pPr marL="0" marR="0" lvl="0" indent="0" algn="l" defTabSz="914400" rtl="0" eaLnBrk="1" fontAlgn="auto" latinLnBrk="0" hangingPunct="1">
+              <a:lnSpc>
+                <a:spcPct val="100000"/>
+              </a:lnSpc>
+              <a:spcBef>
+                <a:spcPts val="0"/>
+              </a:spcBef>
+              <a:spcAft>
+                <a:spcPts val="0"/>
+              </a:spcAft>
+              <a:buClrTx/>
+              <a:buSzTx/>
+              <a:buFontTx/>
+              <a:buNone/>
+              <a:tabLst/>
+              <a:defRPr/>
+            </a:pPr>
+            <a:r>
+              <a:rPr lang="en-US" sz="1800" dirty="0">
+                <a:effectLst/>
+                <a:latin typeface="Calibri" panose="020F0502020204030204" pitchFamily="34" charset="0"/>
+                <a:ea typeface="Calibri" panose="020F0502020204030204" pitchFamily="34" charset="0"/>
+                <a:cs typeface="Arial" panose="020B0604020202020204" pitchFamily="34" charset="0"/>
+              </a:rPr>
+              <a:t>Our supervisors are Renata </a:t>
+            </a:r>
+            <a:r>
+              <a:rPr lang="en-US" sz="1800" dirty="0" err="1">
+                <a:effectLst/>
+                <a:latin typeface="Calibri" panose="020F0502020204030204" pitchFamily="34" charset="0"/>
+                <a:ea typeface="Calibri" panose="020F0502020204030204" pitchFamily="34" charset="0"/>
+                <a:cs typeface="Arial" panose="020B0604020202020204" pitchFamily="34" charset="0"/>
+              </a:rPr>
+              <a:t>Avros</a:t>
+            </a:r>
+            <a:r>
+              <a:rPr lang="en-US" sz="1800" dirty="0">
+                <a:effectLst/>
+                <a:latin typeface="Calibri" panose="020F0502020204030204" pitchFamily="34" charset="0"/>
+                <a:ea typeface="Calibri" panose="020F0502020204030204" pitchFamily="34" charset="0"/>
+                <a:cs typeface="Arial" panose="020B0604020202020204" pitchFamily="34" charset="0"/>
+              </a:rPr>
+              <a:t> and </a:t>
+            </a:r>
+            <a:r>
+              <a:rPr lang="en-US" sz="1800" dirty="0" err="1">
+                <a:effectLst/>
+                <a:latin typeface="Calibri" panose="020F0502020204030204" pitchFamily="34" charset="0"/>
+                <a:ea typeface="Calibri" panose="020F0502020204030204" pitchFamily="34" charset="0"/>
+                <a:cs typeface="Arial" panose="020B0604020202020204" pitchFamily="34" charset="0"/>
+              </a:rPr>
+              <a:t>Zeev</a:t>
+            </a:r>
+            <a:r>
+              <a:rPr lang="en-US" sz="1800" dirty="0">
+                <a:effectLst/>
+                <a:latin typeface="Calibri" panose="020F0502020204030204" pitchFamily="34" charset="0"/>
+                <a:ea typeface="Calibri" panose="020F0502020204030204" pitchFamily="34" charset="0"/>
+                <a:cs typeface="Arial" panose="020B0604020202020204" pitchFamily="34" charset="0"/>
+              </a:rPr>
+              <a:t> </a:t>
+            </a:r>
+            <a:r>
+              <a:rPr lang="en-US" sz="1800" dirty="0" err="1">
+                <a:effectLst/>
+                <a:latin typeface="Calibri" panose="020F0502020204030204" pitchFamily="34" charset="0"/>
+                <a:ea typeface="Calibri" panose="020F0502020204030204" pitchFamily="34" charset="0"/>
+                <a:cs typeface="Arial" panose="020B0604020202020204" pitchFamily="34" charset="0"/>
+              </a:rPr>
+              <a:t>Volkovich</a:t>
+            </a:r>
+            <a:endParaRPr lang="en-US" sz="1800" dirty="0">
+              <a:effectLst/>
+              <a:latin typeface="Calibri" panose="020F0502020204030204" pitchFamily="34" charset="0"/>
+              <a:ea typeface="Calibri" panose="020F0502020204030204" pitchFamily="34" charset="0"/>
+              <a:cs typeface="Arial" panose="020B0604020202020204" pitchFamily="34" charset="0"/>
+            </a:endParaRPr>
+          </a:p>
+          <a:p>
+            <a:pPr marL="0" marR="0" lvl="0" indent="0" algn="l" defTabSz="914400" rtl="0" eaLnBrk="1" fontAlgn="auto" latinLnBrk="0" hangingPunct="1">
+              <a:lnSpc>
+                <a:spcPct val="100000"/>
+              </a:lnSpc>
+              <a:spcBef>
+                <a:spcPts val="0"/>
+              </a:spcBef>
+              <a:spcAft>
+                <a:spcPts val="0"/>
+              </a:spcAft>
+              <a:buClrTx/>
+              <a:buSzTx/>
+              <a:buFontTx/>
+              <a:buNone/>
+              <a:tabLst/>
+              <a:defRPr/>
+            </a:pPr>
+            <a:r>
+              <a:rPr lang="en-US" sz="1800" dirty="0">
+                <a:effectLst/>
+                <a:latin typeface="Calibri" panose="020F0502020204030204" pitchFamily="34" charset="0"/>
+                <a:ea typeface="Calibri" panose="020F0502020204030204" pitchFamily="34" charset="0"/>
+                <a:cs typeface="Arial" panose="020B0604020202020204" pitchFamily="34" charset="0"/>
+              </a:rPr>
+              <a:t>And our project is about Authorship Analysis using the Impostors Method</a:t>
             </a:r>
           </a:p>
         </p:txBody>
@@ -641,51 +748,10 @@
           <a:bodyPr/>
           <a:lstStyle/>
           <a:p>
-            <a:pPr marL="0" marR="0" lvl="0" indent="0" algn="l" defTabSz="914400" rtl="0" eaLnBrk="1" fontAlgn="auto" latinLnBrk="0" hangingPunct="1">
-              <a:lnSpc>
-                <a:spcPct val="107000"/>
-              </a:lnSpc>
-              <a:spcBef>
-                <a:spcPts val="0"/>
-              </a:spcBef>
-              <a:spcAft>
-                <a:spcPts val="800"/>
-              </a:spcAft>
-              <a:buClrTx/>
-              <a:buSzTx/>
-              <a:buFontTx/>
-              <a:buNone/>
-              <a:tabLst/>
-              <a:defRPr/>
-            </a:pPr>
-            <a:r>
-              <a:rPr lang="en-US" sz="1800" dirty="0">
-                <a:effectLst/>
-                <a:latin typeface="Calibri" panose="020F0502020204030204" pitchFamily="34" charset="0"/>
-                <a:ea typeface="Calibri" panose="020F0502020204030204" pitchFamily="34" charset="0"/>
-                <a:cs typeface="Arial" panose="020B0604020202020204" pitchFamily="34" charset="0"/>
-              </a:rPr>
-              <a:t>Kostya</a:t>
-            </a:r>
-          </a:p>
-          <a:p>
-            <a:pPr marL="0" marR="0" rtl="0">
-              <a:lnSpc>
-                <a:spcPct val="107000"/>
-              </a:lnSpc>
-              <a:spcBef>
-                <a:spcPts val="0"/>
-              </a:spcBef>
-              <a:spcAft>
-                <a:spcPts val="800"/>
-              </a:spcAft>
-            </a:pPr>
-            <a:endParaRPr lang="en-US" sz="1800" dirty="0">
-              <a:effectLst/>
-              <a:latin typeface="Calibri" panose="020F0502020204030204" pitchFamily="34" charset="0"/>
-              <a:ea typeface="Calibri" panose="020F0502020204030204" pitchFamily="34" charset="0"/>
-              <a:cs typeface="Arial" panose="020B0604020202020204" pitchFamily="34" charset="0"/>
-            </a:endParaRPr>
+            <a:r>
+              <a:rPr lang="en-IL" dirty="0"/>
+              <a:t>Raz</a:t>
+            </a:r>
           </a:p>
         </p:txBody>
       </p:sp>
@@ -706,7 +772,7 @@
           <a:p>
             <a:fld id="{B6C9A177-B583-4561-AADE-D5EE6023D4EA}" type="slidenum">
               <a:rPr lang="en-IL" smtClean="0"/>
-              <a:t>11</a:t>
+              <a:t>10</a:t>
             </a:fld>
             <a:endParaRPr lang="en-IL"/>
           </a:p>
@@ -715,7 +781,7 @@
     </p:spTree>
     <p:extLst>
       <p:ext uri="{BB962C8B-B14F-4D97-AF65-F5344CB8AC3E}">
-        <p14:creationId xmlns:p14="http://schemas.microsoft.com/office/powerpoint/2010/main" val="2215016413"/>
+        <p14:creationId xmlns:p14="http://schemas.microsoft.com/office/powerpoint/2010/main" val="1605590693"/>
       </p:ext>
     </p:extLst>
   </p:cSld>
@@ -771,13 +837,13 @@
           <a:p>
             <a:pPr marL="0" marR="0" lvl="0" indent="0" algn="l" defTabSz="914400" rtl="0" eaLnBrk="1" fontAlgn="auto" latinLnBrk="0" hangingPunct="1">
               <a:lnSpc>
-                <a:spcPct val="100000"/>
+                <a:spcPct val="107000"/>
               </a:lnSpc>
               <a:spcBef>
                 <a:spcPts val="0"/>
               </a:spcBef>
               <a:spcAft>
-                <a:spcPts val="0"/>
+                <a:spcPts val="800"/>
               </a:spcAft>
               <a:buClrTx/>
               <a:buSzTx/>
@@ -787,17 +853,70 @@
               <a:defRPr/>
             </a:pPr>
             <a:r>
-              <a:rPr lang="en-US" sz="1200" dirty="0">
+              <a:rPr lang="en-US" sz="1800" dirty="0">
                 <a:effectLst/>
                 <a:latin typeface="Calibri" panose="020F0502020204030204" pitchFamily="34" charset="0"/>
                 <a:ea typeface="Calibri" panose="020F0502020204030204" pitchFamily="34" charset="0"/>
                 <a:cs typeface="Arial" panose="020B0604020202020204" pitchFamily="34" charset="0"/>
               </a:rPr>
-              <a:t>Kostya</a:t>
-            </a:r>
-          </a:p>
-          <a:p>
-            <a:endParaRPr lang="en-US" dirty="0"/>
+              <a:t>So, our CNN model based on three parallel sub-models where the input is embeddings of the tweets. </a:t>
+            </a:r>
+          </a:p>
+          <a:p>
+            <a:pPr marL="0" marR="0" lvl="0" indent="0" algn="l" defTabSz="914400" rtl="0" eaLnBrk="1" fontAlgn="auto" latinLnBrk="0" hangingPunct="1">
+              <a:lnSpc>
+                <a:spcPct val="107000"/>
+              </a:lnSpc>
+              <a:spcBef>
+                <a:spcPts val="0"/>
+              </a:spcBef>
+              <a:spcAft>
+                <a:spcPts val="800"/>
+              </a:spcAft>
+              <a:buClrTx/>
+              <a:buSzTx/>
+              <a:buFontTx/>
+              <a:buNone/>
+              <a:tabLst/>
+              <a:defRPr/>
+            </a:pPr>
+            <a:r>
+              <a:rPr lang="en-US" sz="1800" dirty="0">
+                <a:effectLst/>
+                <a:latin typeface="Calibri" panose="020F0502020204030204" pitchFamily="34" charset="0"/>
+                <a:ea typeface="Calibri" panose="020F0502020204030204" pitchFamily="34" charset="0"/>
+                <a:cs typeface="Arial" panose="020B0604020202020204" pitchFamily="34" charset="0"/>
+              </a:rPr>
+              <a:t>Each word in embedding is the vector of size 1024. </a:t>
+            </a:r>
+          </a:p>
+          <a:p>
+            <a:pPr marL="0" marR="0" lvl="0" indent="0" algn="l" defTabSz="914400" rtl="0" eaLnBrk="1" fontAlgn="auto" latinLnBrk="0" hangingPunct="1">
+              <a:lnSpc>
+                <a:spcPct val="107000"/>
+              </a:lnSpc>
+              <a:spcBef>
+                <a:spcPts val="0"/>
+              </a:spcBef>
+              <a:spcAft>
+                <a:spcPts val="800"/>
+              </a:spcAft>
+              <a:buClrTx/>
+              <a:buSzTx/>
+              <a:buFontTx/>
+              <a:buNone/>
+              <a:tabLst/>
+              <a:defRPr/>
+            </a:pPr>
+            <a:r>
+              <a:rPr lang="en-US" sz="1800" dirty="0">
+                <a:effectLst/>
+                <a:latin typeface="Calibri" panose="020F0502020204030204" pitchFamily="34" charset="0"/>
+                <a:ea typeface="Calibri" panose="020F0502020204030204" pitchFamily="34" charset="0"/>
+                <a:cs typeface="Arial" panose="020B0604020202020204" pitchFamily="34" charset="0"/>
+              </a:rPr>
+              <a:t>Imagine we have 2000 words in some text, and our chunk-size is 200, as input we get tensor with shape of (10, 200, 1024), where 10 is the number of chunks, each chunk has 200 words and each word is a vector of size 1024</a:t>
+            </a:r>
           </a:p>
         </p:txBody>
       </p:sp>
@@ -818,7 +937,7 @@
           <a:p>
             <a:fld id="{B6C9A177-B583-4561-AADE-D5EE6023D4EA}" type="slidenum">
               <a:rPr lang="en-IL" smtClean="0"/>
-              <a:t>12</a:t>
+              <a:t>11</a:t>
             </a:fld>
             <a:endParaRPr lang="en-IL"/>
           </a:p>
@@ -827,7 +946,7 @@
     </p:spTree>
     <p:extLst>
       <p:ext uri="{BB962C8B-B14F-4D97-AF65-F5344CB8AC3E}">
-        <p14:creationId xmlns:p14="http://schemas.microsoft.com/office/powerpoint/2010/main" val="3832244731"/>
+        <p14:creationId xmlns:p14="http://schemas.microsoft.com/office/powerpoint/2010/main" val="2215016413"/>
       </p:ext>
     </p:extLst>
   </p:cSld>
@@ -881,7 +1000,106 @@
           <a:bodyPr/>
           <a:lstStyle/>
           <a:p>
-            <a:endParaRPr lang="en-US" dirty="0"/>
+            <a:pPr marL="0" marR="0" lvl="0" indent="0" algn="l" defTabSz="914400" rtl="0" eaLnBrk="1" fontAlgn="auto" latinLnBrk="0" hangingPunct="1">
+              <a:lnSpc>
+                <a:spcPct val="107000"/>
+              </a:lnSpc>
+              <a:spcBef>
+                <a:spcPts val="0"/>
+              </a:spcBef>
+              <a:spcAft>
+                <a:spcPts val="800"/>
+              </a:spcAft>
+              <a:buClrTx/>
+              <a:buSzTx/>
+              <a:buFontTx/>
+              <a:buNone/>
+              <a:tabLst/>
+              <a:defRPr/>
+            </a:pPr>
+            <a:r>
+              <a:rPr lang="en-US" sz="1200" dirty="0">
+                <a:effectLst/>
+                <a:latin typeface="Calibri" panose="020F0502020204030204" pitchFamily="34" charset="0"/>
+                <a:ea typeface="Calibri" panose="020F0502020204030204" pitchFamily="34" charset="0"/>
+                <a:cs typeface="Arial" panose="020B0604020202020204" pitchFamily="34" charset="0"/>
+              </a:rPr>
+              <a:t>Then, feature maps are passed to the max-pooling layer</a:t>
+            </a:r>
+          </a:p>
+          <a:p>
+            <a:pPr marL="0" marR="0" lvl="0" indent="0" algn="l" defTabSz="914400" rtl="0" eaLnBrk="1" fontAlgn="auto" latinLnBrk="0" hangingPunct="1">
+              <a:lnSpc>
+                <a:spcPct val="107000"/>
+              </a:lnSpc>
+              <a:spcBef>
+                <a:spcPts val="0"/>
+              </a:spcBef>
+              <a:spcAft>
+                <a:spcPts val="800"/>
+              </a:spcAft>
+              <a:buClrTx/>
+              <a:buSzTx/>
+              <a:buFontTx/>
+              <a:buNone/>
+              <a:tabLst/>
+              <a:defRPr/>
+            </a:pPr>
+            <a:r>
+              <a:rPr lang="en-US" sz="1200" dirty="0">
+                <a:effectLst/>
+                <a:latin typeface="Calibri" panose="020F0502020204030204" pitchFamily="34" charset="0"/>
+                <a:ea typeface="Calibri" panose="020F0502020204030204" pitchFamily="34" charset="0"/>
+                <a:cs typeface="Arial" panose="020B0604020202020204" pitchFamily="34" charset="0"/>
+              </a:rPr>
+              <a:t>Fully-connected layer has an </a:t>
+            </a:r>
+            <a:r>
+              <a:rPr lang="en-US" sz="1200" dirty="0" err="1">
+                <a:effectLst/>
+                <a:latin typeface="Calibri" panose="020F0502020204030204" pitchFamily="34" charset="0"/>
+                <a:ea typeface="Calibri" panose="020F0502020204030204" pitchFamily="34" charset="0"/>
+                <a:cs typeface="Arial" panose="020B0604020202020204" pitchFamily="34" charset="0"/>
+              </a:rPr>
+              <a:t>ReLU</a:t>
+            </a:r>
+            <a:r>
+              <a:rPr lang="en-US" sz="1200" dirty="0">
+                <a:effectLst/>
+                <a:latin typeface="Calibri" panose="020F0502020204030204" pitchFamily="34" charset="0"/>
+                <a:ea typeface="Calibri" panose="020F0502020204030204" pitchFamily="34" charset="0"/>
+                <a:cs typeface="Arial" panose="020B0604020202020204" pitchFamily="34" charset="0"/>
+              </a:rPr>
+              <a:t> activation function Dropout layer ignores some of the weights according the the ratio</a:t>
+            </a:r>
+          </a:p>
+          <a:p>
+            <a:pPr marL="0" marR="0" lvl="0" indent="0" algn="l" defTabSz="914400" rtl="0" eaLnBrk="1" fontAlgn="auto" latinLnBrk="0" hangingPunct="1">
+              <a:lnSpc>
+                <a:spcPct val="107000"/>
+              </a:lnSpc>
+              <a:spcBef>
+                <a:spcPts val="0"/>
+              </a:spcBef>
+              <a:spcAft>
+                <a:spcPts val="800"/>
+              </a:spcAft>
+              <a:buClrTx/>
+              <a:buSzTx/>
+              <a:buFontTx/>
+              <a:buNone/>
+              <a:tabLst/>
+              <a:defRPr/>
+            </a:pPr>
+            <a:r>
+              <a:rPr lang="en-US" sz="1200" dirty="0">
+                <a:effectLst/>
+                <a:latin typeface="Calibri" panose="020F0502020204030204" pitchFamily="34" charset="0"/>
+                <a:ea typeface="Calibri" panose="020F0502020204030204" pitchFamily="34" charset="0"/>
+                <a:cs typeface="Arial" panose="020B0604020202020204" pitchFamily="34" charset="0"/>
+              </a:rPr>
+              <a:t>And Soft-Max layer produces final chunks classifications </a:t>
+            </a:r>
           </a:p>
         </p:txBody>
       </p:sp>
@@ -902,7 +1120,7 @@
           <a:p>
             <a:fld id="{B6C9A177-B583-4561-AADE-D5EE6023D4EA}" type="slidenum">
               <a:rPr lang="en-IL" smtClean="0"/>
-              <a:t>14</a:t>
+              <a:t>12</a:t>
             </a:fld>
             <a:endParaRPr lang="en-IL"/>
           </a:p>
@@ -911,7 +1129,7 @@
     </p:spTree>
     <p:extLst>
       <p:ext uri="{BB962C8B-B14F-4D97-AF65-F5344CB8AC3E}">
-        <p14:creationId xmlns:p14="http://schemas.microsoft.com/office/powerpoint/2010/main" val="1774752838"/>
+        <p14:creationId xmlns:p14="http://schemas.microsoft.com/office/powerpoint/2010/main" val="3832244731"/>
       </p:ext>
     </p:extLst>
   </p:cSld>
@@ -965,7 +1183,10 @@
           <a:bodyPr/>
           <a:lstStyle/>
           <a:p>
-            <a:endParaRPr lang="en-US" dirty="0"/>
+            <a:r>
+              <a:rPr lang="en-IL" dirty="0"/>
+              <a:t>Raz</a:t>
+            </a:r>
           </a:p>
         </p:txBody>
       </p:sp>
@@ -986,7 +1207,7 @@
           <a:p>
             <a:fld id="{B6C9A177-B583-4561-AADE-D5EE6023D4EA}" type="slidenum">
               <a:rPr lang="en-IL" smtClean="0"/>
-              <a:t>16</a:t>
+              <a:t>13</a:t>
             </a:fld>
             <a:endParaRPr lang="en-IL"/>
           </a:p>
@@ -995,7 +1216,7 @@
     </p:spTree>
     <p:extLst>
       <p:ext uri="{BB962C8B-B14F-4D97-AF65-F5344CB8AC3E}">
-        <p14:creationId xmlns:p14="http://schemas.microsoft.com/office/powerpoint/2010/main" val="2906276052"/>
+        <p14:creationId xmlns:p14="http://schemas.microsoft.com/office/powerpoint/2010/main" val="3065998552"/>
       </p:ext>
     </p:extLst>
   </p:cSld>
@@ -1049,7 +1270,10 @@
           <a:bodyPr/>
           <a:lstStyle/>
           <a:p>
-            <a:endParaRPr lang="en-US" dirty="0"/>
+            <a:r>
+              <a:rPr lang="en-US" dirty="0"/>
+              <a:t>Raz</a:t>
+            </a:r>
           </a:p>
         </p:txBody>
       </p:sp>
@@ -1070,7 +1294,7 @@
           <a:p>
             <a:fld id="{B6C9A177-B583-4561-AADE-D5EE6023D4EA}" type="slidenum">
               <a:rPr lang="en-IL" smtClean="0"/>
-              <a:t>17</a:t>
+              <a:t>14</a:t>
             </a:fld>
             <a:endParaRPr lang="en-IL"/>
           </a:p>
@@ -1079,7 +1303,7 @@
     </p:spTree>
     <p:extLst>
       <p:ext uri="{BB962C8B-B14F-4D97-AF65-F5344CB8AC3E}">
-        <p14:creationId xmlns:p14="http://schemas.microsoft.com/office/powerpoint/2010/main" val="1478736327"/>
+        <p14:creationId xmlns:p14="http://schemas.microsoft.com/office/powerpoint/2010/main" val="1774752838"/>
       </p:ext>
     </p:extLst>
   </p:cSld>
@@ -1133,35 +1357,10 @@
           <a:bodyPr/>
           <a:lstStyle/>
           <a:p>
-            <a:pPr marL="0" marR="0" lvl="0" indent="0" algn="l" defTabSz="914400" rtl="0" eaLnBrk="1" fontAlgn="auto" latinLnBrk="0" hangingPunct="1">
-              <a:lnSpc>
-                <a:spcPct val="100000"/>
-              </a:lnSpc>
-              <a:spcBef>
-                <a:spcPts val="0"/>
-              </a:spcBef>
-              <a:spcAft>
-                <a:spcPts val="0"/>
-              </a:spcAft>
-              <a:buClrTx/>
-              <a:buSzTx/>
-              <a:buFontTx/>
-              <a:buNone/>
-              <a:tabLst/>
-              <a:defRPr/>
-            </a:pPr>
-            <a:r>
-              <a:rPr lang="en-US" sz="1200" dirty="0">
-                <a:effectLst/>
-                <a:latin typeface="Calibri" panose="020F0502020204030204" pitchFamily="34" charset="0"/>
-                <a:ea typeface="Calibri" panose="020F0502020204030204" pitchFamily="34" charset="0"/>
-                <a:cs typeface="Arial" panose="020B0604020202020204" pitchFamily="34" charset="0"/>
-              </a:rPr>
-              <a:t>Kostya</a:t>
-            </a:r>
-          </a:p>
-          <a:p>
-            <a:endParaRPr lang="en-US" dirty="0"/>
+            <a:r>
+              <a:rPr lang="en-IL" dirty="0"/>
+              <a:t>Raz</a:t>
+            </a:r>
           </a:p>
         </p:txBody>
       </p:sp>
@@ -1182,7 +1381,7 @@
           <a:p>
             <a:fld id="{B6C9A177-B583-4561-AADE-D5EE6023D4EA}" type="slidenum">
               <a:rPr lang="en-IL" smtClean="0"/>
-              <a:t>20</a:t>
+              <a:t>15</a:t>
             </a:fld>
             <a:endParaRPr lang="en-IL"/>
           </a:p>
@@ -1191,7 +1390,7 @@
     </p:spTree>
     <p:extLst>
       <p:ext uri="{BB962C8B-B14F-4D97-AF65-F5344CB8AC3E}">
-        <p14:creationId xmlns:p14="http://schemas.microsoft.com/office/powerpoint/2010/main" val="2386713097"/>
+        <p14:creationId xmlns:p14="http://schemas.microsoft.com/office/powerpoint/2010/main" val="4071165112"/>
       </p:ext>
     </p:extLst>
   </p:cSld>
@@ -1245,35 +1444,10 @@
           <a:bodyPr/>
           <a:lstStyle/>
           <a:p>
-            <a:pPr marL="0" marR="0" lvl="0" indent="0" algn="l" defTabSz="914400" rtl="0" eaLnBrk="1" fontAlgn="auto" latinLnBrk="0" hangingPunct="1">
-              <a:lnSpc>
-                <a:spcPct val="100000"/>
-              </a:lnSpc>
-              <a:spcBef>
-                <a:spcPts val="0"/>
-              </a:spcBef>
-              <a:spcAft>
-                <a:spcPts val="0"/>
-              </a:spcAft>
-              <a:buClrTx/>
-              <a:buSzTx/>
-              <a:buFontTx/>
-              <a:buNone/>
-              <a:tabLst/>
-              <a:defRPr/>
-            </a:pPr>
-            <a:r>
-              <a:rPr lang="en-US" sz="1200" dirty="0">
-                <a:effectLst/>
-                <a:latin typeface="Calibri" panose="020F0502020204030204" pitchFamily="34" charset="0"/>
-                <a:ea typeface="Calibri" panose="020F0502020204030204" pitchFamily="34" charset="0"/>
-                <a:cs typeface="Arial" panose="020B0604020202020204" pitchFamily="34" charset="0"/>
-              </a:rPr>
-              <a:t>Kostya</a:t>
-            </a:r>
-          </a:p>
-          <a:p>
-            <a:endParaRPr lang="en-US" dirty="0"/>
+            <a:r>
+              <a:rPr lang="en-US" dirty="0"/>
+              <a:t>Raz</a:t>
+            </a:r>
           </a:p>
         </p:txBody>
       </p:sp>
@@ -1294,7 +1468,7 @@
           <a:p>
             <a:fld id="{B6C9A177-B583-4561-AADE-D5EE6023D4EA}" type="slidenum">
               <a:rPr lang="en-IL" smtClean="0"/>
-              <a:t>21</a:t>
+              <a:t>16</a:t>
             </a:fld>
             <a:endParaRPr lang="en-IL"/>
           </a:p>
@@ -1303,7 +1477,7 @@
     </p:spTree>
     <p:extLst>
       <p:ext uri="{BB962C8B-B14F-4D97-AF65-F5344CB8AC3E}">
-        <p14:creationId xmlns:p14="http://schemas.microsoft.com/office/powerpoint/2010/main" val="2721689723"/>
+        <p14:creationId xmlns:p14="http://schemas.microsoft.com/office/powerpoint/2010/main" val="2906276052"/>
       </p:ext>
     </p:extLst>
   </p:cSld>
@@ -1357,35 +1531,10 @@
           <a:bodyPr/>
           <a:lstStyle/>
           <a:p>
-            <a:pPr marL="0" marR="0" lvl="0" indent="0" algn="l" defTabSz="914400" rtl="0" eaLnBrk="1" fontAlgn="auto" latinLnBrk="0" hangingPunct="1">
-              <a:lnSpc>
-                <a:spcPct val="100000"/>
-              </a:lnSpc>
-              <a:spcBef>
-                <a:spcPts val="0"/>
-              </a:spcBef>
-              <a:spcAft>
-                <a:spcPts val="0"/>
-              </a:spcAft>
-              <a:buClrTx/>
-              <a:buSzTx/>
-              <a:buFontTx/>
-              <a:buNone/>
-              <a:tabLst/>
-              <a:defRPr/>
-            </a:pPr>
-            <a:r>
-              <a:rPr lang="en-US" sz="1200" dirty="0">
-                <a:effectLst/>
-                <a:latin typeface="Calibri" panose="020F0502020204030204" pitchFamily="34" charset="0"/>
-                <a:ea typeface="Calibri" panose="020F0502020204030204" pitchFamily="34" charset="0"/>
-                <a:cs typeface="Arial" panose="020B0604020202020204" pitchFamily="34" charset="0"/>
-              </a:rPr>
-              <a:t>Kostya</a:t>
-            </a:r>
-          </a:p>
-          <a:p>
-            <a:endParaRPr lang="en-US" dirty="0"/>
+            <a:r>
+              <a:rPr lang="en-US" dirty="0"/>
+              <a:t>Raz</a:t>
+            </a:r>
           </a:p>
         </p:txBody>
       </p:sp>
@@ -1406,7 +1555,7 @@
           <a:p>
             <a:fld id="{B6C9A177-B583-4561-AADE-D5EE6023D4EA}" type="slidenum">
               <a:rPr lang="en-IL" smtClean="0"/>
-              <a:t>22</a:t>
+              <a:t>17</a:t>
             </a:fld>
             <a:endParaRPr lang="en-IL"/>
           </a:p>
@@ -1415,7 +1564,7 @@
     </p:spTree>
     <p:extLst>
       <p:ext uri="{BB962C8B-B14F-4D97-AF65-F5344CB8AC3E}">
-        <p14:creationId xmlns:p14="http://schemas.microsoft.com/office/powerpoint/2010/main" val="2311202324"/>
+        <p14:creationId xmlns:p14="http://schemas.microsoft.com/office/powerpoint/2010/main" val="1478736327"/>
       </p:ext>
     </p:extLst>
   </p:cSld>
@@ -1469,35 +1618,10 @@
           <a:bodyPr/>
           <a:lstStyle/>
           <a:p>
-            <a:pPr marL="0" marR="0" lvl="0" indent="0" algn="l" defTabSz="914400" rtl="0" eaLnBrk="1" fontAlgn="auto" latinLnBrk="0" hangingPunct="1">
-              <a:lnSpc>
-                <a:spcPct val="100000"/>
-              </a:lnSpc>
-              <a:spcBef>
-                <a:spcPts val="0"/>
-              </a:spcBef>
-              <a:spcAft>
-                <a:spcPts val="0"/>
-              </a:spcAft>
-              <a:buClrTx/>
-              <a:buSzTx/>
-              <a:buFontTx/>
-              <a:buNone/>
-              <a:tabLst/>
-              <a:defRPr/>
-            </a:pPr>
-            <a:r>
-              <a:rPr lang="en-US" sz="1200" dirty="0">
-                <a:effectLst/>
-                <a:latin typeface="Calibri" panose="020F0502020204030204" pitchFamily="34" charset="0"/>
-                <a:ea typeface="Calibri" panose="020F0502020204030204" pitchFamily="34" charset="0"/>
-                <a:cs typeface="Arial" panose="020B0604020202020204" pitchFamily="34" charset="0"/>
-              </a:rPr>
-              <a:t>Kostya</a:t>
-            </a:r>
-          </a:p>
-          <a:p>
-            <a:endParaRPr lang="en-US" dirty="0"/>
+            <a:r>
+              <a:rPr lang="en-IL" dirty="0"/>
+              <a:t>Raz</a:t>
+            </a:r>
           </a:p>
         </p:txBody>
       </p:sp>
@@ -1518,7 +1642,7 @@
           <a:p>
             <a:fld id="{B6C9A177-B583-4561-AADE-D5EE6023D4EA}" type="slidenum">
               <a:rPr lang="en-IL" smtClean="0"/>
-              <a:t>23</a:t>
+              <a:t>18</a:t>
             </a:fld>
             <a:endParaRPr lang="en-IL"/>
           </a:p>
@@ -1527,7 +1651,94 @@
     </p:spTree>
     <p:extLst>
       <p:ext uri="{BB962C8B-B14F-4D97-AF65-F5344CB8AC3E}">
-        <p14:creationId xmlns:p14="http://schemas.microsoft.com/office/powerpoint/2010/main" val="1790595156"/>
+        <p14:creationId xmlns:p14="http://schemas.microsoft.com/office/powerpoint/2010/main" val="132621510"/>
+      </p:ext>
+    </p:extLst>
+  </p:cSld>
+  <p:clrMapOvr>
+    <a:masterClrMapping/>
+  </p:clrMapOvr>
+</p:notes>
+</file>
+
+<file path=ppt/notesSlides/notesSlide19.xml><?xml version="1.0" encoding="utf-8"?>
+<p:notes xmlns:a="http://schemas.openxmlformats.org/drawingml/2006/main" xmlns:r="http://schemas.openxmlformats.org/officeDocument/2006/relationships" xmlns:p="http://schemas.openxmlformats.org/presentationml/2006/main">
+  <p:cSld>
+    <p:spTree>
+      <p:nvGrpSpPr>
+        <p:cNvPr id="1" name=""/>
+        <p:cNvGrpSpPr/>
+        <p:nvPr/>
+      </p:nvGrpSpPr>
+      <p:grpSpPr>
+        <a:xfrm>
+          <a:off x="0" y="0"/>
+          <a:ext cx="0" cy="0"/>
+          <a:chOff x="0" y="0"/>
+          <a:chExt cx="0" cy="0"/>
+        </a:xfrm>
+      </p:grpSpPr>
+      <p:sp>
+        <p:nvSpPr>
+          <p:cNvPr id="2" name="Slide Image Placeholder 1"/>
+          <p:cNvSpPr>
+            <a:spLocks noGrp="1" noRot="1" noChangeAspect="1"/>
+          </p:cNvSpPr>
+          <p:nvPr>
+            <p:ph type="sldImg"/>
+          </p:nvPr>
+        </p:nvSpPr>
+        <p:spPr/>
+      </p:sp>
+      <p:sp>
+        <p:nvSpPr>
+          <p:cNvPr id="3" name="Notes Placeholder 2"/>
+          <p:cNvSpPr>
+            <a:spLocks noGrp="1"/>
+          </p:cNvSpPr>
+          <p:nvPr>
+            <p:ph type="body" idx="1"/>
+          </p:nvPr>
+        </p:nvSpPr>
+        <p:spPr/>
+        <p:txBody>
+          <a:bodyPr/>
+          <a:lstStyle/>
+          <a:p>
+            <a:r>
+              <a:rPr lang="en-IL" dirty="0"/>
+              <a:t>Raz</a:t>
+            </a:r>
+          </a:p>
+        </p:txBody>
+      </p:sp>
+      <p:sp>
+        <p:nvSpPr>
+          <p:cNvPr id="4" name="Slide Number Placeholder 3"/>
+          <p:cNvSpPr>
+            <a:spLocks noGrp="1"/>
+          </p:cNvSpPr>
+          <p:nvPr>
+            <p:ph type="sldNum" sz="quarter" idx="5"/>
+          </p:nvPr>
+        </p:nvSpPr>
+        <p:spPr/>
+        <p:txBody>
+          <a:bodyPr/>
+          <a:lstStyle/>
+          <a:p>
+            <a:fld id="{B6C9A177-B583-4561-AADE-D5EE6023D4EA}" type="slidenum">
+              <a:rPr lang="en-IL" smtClean="0"/>
+              <a:t>19</a:t>
+            </a:fld>
+            <a:endParaRPr lang="en-IL"/>
+          </a:p>
+        </p:txBody>
+      </p:sp>
+    </p:spTree>
+    <p:extLst>
+      <p:ext uri="{BB962C8B-B14F-4D97-AF65-F5344CB8AC3E}">
+        <p14:creationId xmlns:p14="http://schemas.microsoft.com/office/powerpoint/2010/main" val="1652185944"/>
       </p:ext>
     </p:extLst>
   </p:cSld>
@@ -1605,7 +1816,7 @@
                 <a:ea typeface="Calibri" panose="020F0502020204030204" pitchFamily="34" charset="0"/>
                 <a:cs typeface="Arial" panose="020B0604020202020204" pitchFamily="34" charset="0"/>
               </a:rPr>
-              <a:t>Kostya</a:t>
+              <a:t>So, a short intro.</a:t>
             </a:r>
           </a:p>
           <a:p>
@@ -1626,12 +1837,43 @@
               <a:tabLst/>
               <a:defRPr/>
             </a:pPr>
-            <a:endParaRPr lang="en-US" sz="1800" dirty="0">
-              <a:effectLst/>
-              <a:latin typeface="Calibri" panose="020F0502020204030204" pitchFamily="34" charset="0"/>
-              <a:ea typeface="Calibri" panose="020F0502020204030204" pitchFamily="34" charset="0"/>
-              <a:cs typeface="Arial" panose="020B0604020202020204" pitchFamily="34" charset="0"/>
-            </a:endParaRPr>
+            <a:r>
+              <a:rPr lang="en-US" sz="1800" dirty="0">
+                <a:effectLst/>
+                <a:latin typeface="Calibri" panose="020F0502020204030204" pitchFamily="34" charset="0"/>
+                <a:ea typeface="Calibri" panose="020F0502020204030204" pitchFamily="34" charset="0"/>
+                <a:cs typeface="Arial" panose="020B0604020202020204" pitchFamily="34" charset="0"/>
+              </a:rPr>
+              <a:t>We all know well what plagiarism is by definition and lots of struggles it brings to ours lives</a:t>
+            </a:r>
+          </a:p>
+          <a:p>
+            <a:pPr marL="0" marR="0" lvl="0" indent="0" algn="l" defTabSz="914400" rtl="0" eaLnBrk="1" fontAlgn="auto" latinLnBrk="0" hangingPunct="1">
+              <a:lnSpc>
+                <a:spcPct val="100000"/>
+              </a:lnSpc>
+              <a:spcBef>
+                <a:spcPts val="0"/>
+              </a:spcBef>
+              <a:spcAft>
+                <a:spcPts val="0"/>
+              </a:spcAft>
+              <a:buClrTx/>
+              <a:buSzTx/>
+              <a:buFontTx/>
+              <a:buNone/>
+              <a:tabLst/>
+              <a:defRPr/>
+            </a:pPr>
+            <a:r>
+              <a:rPr lang="en-US" sz="1800" dirty="0">
+                <a:effectLst/>
+                <a:latin typeface="Calibri" panose="020F0502020204030204" pitchFamily="34" charset="0"/>
+                <a:ea typeface="Calibri" panose="020F0502020204030204" pitchFamily="34" charset="0"/>
+                <a:cs typeface="Arial" panose="020B0604020202020204" pitchFamily="34" charset="0"/>
+              </a:rPr>
+              <a:t>Many famous writers were accused in plagiarism, but it’s very hard to prove</a:t>
+            </a:r>
           </a:p>
         </p:txBody>
       </p:sp>
@@ -1662,6 +1904,453 @@
     <p:extLst>
       <p:ext uri="{BB962C8B-B14F-4D97-AF65-F5344CB8AC3E}">
         <p14:creationId xmlns:p14="http://schemas.microsoft.com/office/powerpoint/2010/main" val="2471991110"/>
+      </p:ext>
+    </p:extLst>
+  </p:cSld>
+  <p:clrMapOvr>
+    <a:masterClrMapping/>
+  </p:clrMapOvr>
+</p:notes>
+</file>
+
+<file path=ppt/notesSlides/notesSlide20.xml><?xml version="1.0" encoding="utf-8"?>
+<p:notes xmlns:a="http://schemas.openxmlformats.org/drawingml/2006/main" xmlns:r="http://schemas.openxmlformats.org/officeDocument/2006/relationships" xmlns:p="http://schemas.openxmlformats.org/presentationml/2006/main">
+  <p:cSld>
+    <p:spTree>
+      <p:nvGrpSpPr>
+        <p:cNvPr id="1" name=""/>
+        <p:cNvGrpSpPr/>
+        <p:nvPr/>
+      </p:nvGrpSpPr>
+      <p:grpSpPr>
+        <a:xfrm>
+          <a:off x="0" y="0"/>
+          <a:ext cx="0" cy="0"/>
+          <a:chOff x="0" y="0"/>
+          <a:chExt cx="0" cy="0"/>
+        </a:xfrm>
+      </p:grpSpPr>
+      <p:sp>
+        <p:nvSpPr>
+          <p:cNvPr id="2" name="Slide Image Placeholder 1"/>
+          <p:cNvSpPr>
+            <a:spLocks noGrp="1" noRot="1" noChangeAspect="1"/>
+          </p:cNvSpPr>
+          <p:nvPr>
+            <p:ph type="sldImg"/>
+          </p:nvPr>
+        </p:nvSpPr>
+        <p:spPr/>
+      </p:sp>
+      <p:sp>
+        <p:nvSpPr>
+          <p:cNvPr id="3" name="Notes Placeholder 2"/>
+          <p:cNvSpPr>
+            <a:spLocks noGrp="1"/>
+          </p:cNvSpPr>
+          <p:nvPr>
+            <p:ph type="body" idx="1"/>
+          </p:nvPr>
+        </p:nvSpPr>
+        <p:spPr/>
+        <p:txBody>
+          <a:bodyPr/>
+          <a:lstStyle/>
+          <a:p>
+            <a:r>
+              <a:rPr lang="en-US" dirty="0"/>
+              <a:t>As I’ve said before, GUI was built for an easy use of researcher, it allows multiple experiments at the time, shows every result needed for analysis and very easy to modify</a:t>
+            </a:r>
+          </a:p>
+          <a:p>
+            <a:r>
+              <a:rPr lang="en-US" dirty="0"/>
+              <a:t>Let’s see how the process looks like</a:t>
+            </a:r>
+          </a:p>
+          <a:p>
+            <a:r>
+              <a:rPr lang="en-US" dirty="0"/>
+              <a:t>(turn on video)</a:t>
+            </a:r>
+          </a:p>
+        </p:txBody>
+      </p:sp>
+      <p:sp>
+        <p:nvSpPr>
+          <p:cNvPr id="4" name="Slide Number Placeholder 3"/>
+          <p:cNvSpPr>
+            <a:spLocks noGrp="1"/>
+          </p:cNvSpPr>
+          <p:nvPr>
+            <p:ph type="sldNum" sz="quarter" idx="5"/>
+          </p:nvPr>
+        </p:nvSpPr>
+        <p:spPr/>
+        <p:txBody>
+          <a:bodyPr/>
+          <a:lstStyle/>
+          <a:p>
+            <a:fld id="{B6C9A177-B583-4561-AADE-D5EE6023D4EA}" type="slidenum">
+              <a:rPr lang="en-IL" smtClean="0"/>
+              <a:t>20</a:t>
+            </a:fld>
+            <a:endParaRPr lang="en-IL"/>
+          </a:p>
+        </p:txBody>
+      </p:sp>
+    </p:spTree>
+    <p:extLst>
+      <p:ext uri="{BB962C8B-B14F-4D97-AF65-F5344CB8AC3E}">
+        <p14:creationId xmlns:p14="http://schemas.microsoft.com/office/powerpoint/2010/main" val="2386713097"/>
+      </p:ext>
+    </p:extLst>
+  </p:cSld>
+  <p:clrMapOvr>
+    <a:masterClrMapping/>
+  </p:clrMapOvr>
+</p:notes>
+</file>
+
+<file path=ppt/notesSlides/notesSlide21.xml><?xml version="1.0" encoding="utf-8"?>
+<p:notes xmlns:a="http://schemas.openxmlformats.org/drawingml/2006/main" xmlns:r="http://schemas.openxmlformats.org/officeDocument/2006/relationships" xmlns:p="http://schemas.openxmlformats.org/presentationml/2006/main">
+  <p:cSld>
+    <p:spTree>
+      <p:nvGrpSpPr>
+        <p:cNvPr id="1" name=""/>
+        <p:cNvGrpSpPr/>
+        <p:nvPr/>
+      </p:nvGrpSpPr>
+      <p:grpSpPr>
+        <a:xfrm>
+          <a:off x="0" y="0"/>
+          <a:ext cx="0" cy="0"/>
+          <a:chOff x="0" y="0"/>
+          <a:chExt cx="0" cy="0"/>
+        </a:xfrm>
+      </p:grpSpPr>
+      <p:sp>
+        <p:nvSpPr>
+          <p:cNvPr id="2" name="Slide Image Placeholder 1"/>
+          <p:cNvSpPr>
+            <a:spLocks noGrp="1" noRot="1" noChangeAspect="1"/>
+          </p:cNvSpPr>
+          <p:nvPr>
+            <p:ph type="sldImg"/>
+          </p:nvPr>
+        </p:nvSpPr>
+        <p:spPr/>
+      </p:sp>
+      <p:sp>
+        <p:nvSpPr>
+          <p:cNvPr id="3" name="Notes Placeholder 2"/>
+          <p:cNvSpPr>
+            <a:spLocks noGrp="1"/>
+          </p:cNvSpPr>
+          <p:nvPr>
+            <p:ph type="body" idx="1"/>
+          </p:nvPr>
+        </p:nvSpPr>
+        <p:spPr/>
+        <p:txBody>
+          <a:bodyPr/>
+          <a:lstStyle/>
+          <a:p>
+            <a:r>
+              <a:rPr lang="en-US" dirty="0"/>
+              <a:t>Take a closed look at our sidebar, where we could get help, adjust impostors, author and creation under test and also adjust hyperparameters for the networks</a:t>
+            </a:r>
+          </a:p>
+        </p:txBody>
+      </p:sp>
+      <p:sp>
+        <p:nvSpPr>
+          <p:cNvPr id="4" name="Slide Number Placeholder 3"/>
+          <p:cNvSpPr>
+            <a:spLocks noGrp="1"/>
+          </p:cNvSpPr>
+          <p:nvPr>
+            <p:ph type="sldNum" sz="quarter" idx="5"/>
+          </p:nvPr>
+        </p:nvSpPr>
+        <p:spPr/>
+        <p:txBody>
+          <a:bodyPr/>
+          <a:lstStyle/>
+          <a:p>
+            <a:fld id="{B6C9A177-B583-4561-AADE-D5EE6023D4EA}" type="slidenum">
+              <a:rPr lang="en-IL" smtClean="0"/>
+              <a:t>21</a:t>
+            </a:fld>
+            <a:endParaRPr lang="en-IL"/>
+          </a:p>
+        </p:txBody>
+      </p:sp>
+    </p:spTree>
+    <p:extLst>
+      <p:ext uri="{BB962C8B-B14F-4D97-AF65-F5344CB8AC3E}">
+        <p14:creationId xmlns:p14="http://schemas.microsoft.com/office/powerpoint/2010/main" val="2721689723"/>
+      </p:ext>
+    </p:extLst>
+  </p:cSld>
+  <p:clrMapOvr>
+    <a:masterClrMapping/>
+  </p:clrMapOvr>
+</p:notes>
+</file>
+
+<file path=ppt/notesSlides/notesSlide22.xml><?xml version="1.0" encoding="utf-8"?>
+<p:notes xmlns:a="http://schemas.openxmlformats.org/drawingml/2006/main" xmlns:r="http://schemas.openxmlformats.org/officeDocument/2006/relationships" xmlns:p="http://schemas.openxmlformats.org/presentationml/2006/main">
+  <p:cSld>
+    <p:spTree>
+      <p:nvGrpSpPr>
+        <p:cNvPr id="1" name=""/>
+        <p:cNvGrpSpPr/>
+        <p:nvPr/>
+      </p:nvGrpSpPr>
+      <p:grpSpPr>
+        <a:xfrm>
+          <a:off x="0" y="0"/>
+          <a:ext cx="0" cy="0"/>
+          <a:chOff x="0" y="0"/>
+          <a:chExt cx="0" cy="0"/>
+        </a:xfrm>
+      </p:grpSpPr>
+      <p:sp>
+        <p:nvSpPr>
+          <p:cNvPr id="2" name="Slide Image Placeholder 1"/>
+          <p:cNvSpPr>
+            <a:spLocks noGrp="1" noRot="1" noChangeAspect="1"/>
+          </p:cNvSpPr>
+          <p:nvPr>
+            <p:ph type="sldImg"/>
+          </p:nvPr>
+        </p:nvSpPr>
+        <p:spPr/>
+      </p:sp>
+      <p:sp>
+        <p:nvSpPr>
+          <p:cNvPr id="3" name="Notes Placeholder 2"/>
+          <p:cNvSpPr>
+            <a:spLocks noGrp="1"/>
+          </p:cNvSpPr>
+          <p:nvPr>
+            <p:ph type="body" idx="1"/>
+          </p:nvPr>
+        </p:nvSpPr>
+        <p:spPr/>
+        <p:txBody>
+          <a:bodyPr/>
+          <a:lstStyle/>
+          <a:p>
+            <a:r>
+              <a:rPr lang="en-US" dirty="0"/>
+              <a:t>And this is the main screen, we can see the results of trained networks, their accuracy and loss</a:t>
+            </a:r>
+          </a:p>
+          <a:p>
+            <a:r>
+              <a:rPr lang="en-US" dirty="0"/>
+              <a:t>This is an validation plot</a:t>
+            </a:r>
+          </a:p>
+          <a:p>
+            <a:r>
+              <a:rPr lang="en-US" dirty="0"/>
+              <a:t>This one is accused author chunks distribution</a:t>
+            </a:r>
+          </a:p>
+          <a:p>
+            <a:r>
+              <a:rPr lang="en-US" dirty="0"/>
+              <a:t>And this one shows the difference between genuine and accused works of the author under test</a:t>
+            </a:r>
+          </a:p>
+          <a:p>
+            <a:r>
+              <a:rPr lang="en-US" dirty="0"/>
+              <a:t>At the end we may finally see the P-value and the distance</a:t>
+            </a:r>
+          </a:p>
+          <a:p>
+            <a:endParaRPr lang="en-US" dirty="0"/>
+          </a:p>
+          <a:p>
+            <a:r>
+              <a:rPr lang="en-US" dirty="0"/>
+              <a:t>Here I want to citate one of the Lecturers at </a:t>
+            </a:r>
+            <a:r>
+              <a:rPr lang="en-US" dirty="0" err="1"/>
+              <a:t>GoogleAI</a:t>
+            </a:r>
+            <a:r>
+              <a:rPr lang="en-US" dirty="0"/>
+              <a:t>:</a:t>
+            </a:r>
+          </a:p>
+          <a:p>
+            <a:r>
+              <a:rPr lang="en-IL" dirty="0"/>
+              <a:t>The p-value doesn’t prove anything.</a:t>
+            </a:r>
+          </a:p>
+          <a:p>
+            <a:r>
+              <a:rPr lang="en-IL" dirty="0"/>
+              <a:t>It’s just a way to use the suddenness as the basis for an intelligent decision.</a:t>
+            </a:r>
+          </a:p>
+          <a:p>
+            <a:r>
+              <a:rPr lang="en-IL" dirty="0"/>
+              <a:t>- Cassie Kozyrkov</a:t>
+            </a:r>
+          </a:p>
+          <a:p>
+            <a:endParaRPr lang="en-US" dirty="0"/>
+          </a:p>
+        </p:txBody>
+      </p:sp>
+      <p:sp>
+        <p:nvSpPr>
+          <p:cNvPr id="4" name="Slide Number Placeholder 3"/>
+          <p:cNvSpPr>
+            <a:spLocks noGrp="1"/>
+          </p:cNvSpPr>
+          <p:nvPr>
+            <p:ph type="sldNum" sz="quarter" idx="5"/>
+          </p:nvPr>
+        </p:nvSpPr>
+        <p:spPr/>
+        <p:txBody>
+          <a:bodyPr/>
+          <a:lstStyle/>
+          <a:p>
+            <a:fld id="{B6C9A177-B583-4561-AADE-D5EE6023D4EA}" type="slidenum">
+              <a:rPr lang="en-IL" smtClean="0"/>
+              <a:t>22</a:t>
+            </a:fld>
+            <a:endParaRPr lang="en-IL"/>
+          </a:p>
+        </p:txBody>
+      </p:sp>
+    </p:spTree>
+    <p:extLst>
+      <p:ext uri="{BB962C8B-B14F-4D97-AF65-F5344CB8AC3E}">
+        <p14:creationId xmlns:p14="http://schemas.microsoft.com/office/powerpoint/2010/main" val="2311202324"/>
+      </p:ext>
+    </p:extLst>
+  </p:cSld>
+  <p:clrMapOvr>
+    <a:masterClrMapping/>
+  </p:clrMapOvr>
+</p:notes>
+</file>
+
+<file path=ppt/notesSlides/notesSlide23.xml><?xml version="1.0" encoding="utf-8"?>
+<p:notes xmlns:a="http://schemas.openxmlformats.org/drawingml/2006/main" xmlns:r="http://schemas.openxmlformats.org/officeDocument/2006/relationships" xmlns:p="http://schemas.openxmlformats.org/presentationml/2006/main">
+  <p:cSld>
+    <p:spTree>
+      <p:nvGrpSpPr>
+        <p:cNvPr id="1" name=""/>
+        <p:cNvGrpSpPr/>
+        <p:nvPr/>
+      </p:nvGrpSpPr>
+      <p:grpSpPr>
+        <a:xfrm>
+          <a:off x="0" y="0"/>
+          <a:ext cx="0" cy="0"/>
+          <a:chOff x="0" y="0"/>
+          <a:chExt cx="0" cy="0"/>
+        </a:xfrm>
+      </p:grpSpPr>
+      <p:sp>
+        <p:nvSpPr>
+          <p:cNvPr id="2" name="Slide Image Placeholder 1"/>
+          <p:cNvSpPr>
+            <a:spLocks noGrp="1" noRot="1" noChangeAspect="1"/>
+          </p:cNvSpPr>
+          <p:nvPr>
+            <p:ph type="sldImg"/>
+          </p:nvPr>
+        </p:nvSpPr>
+        <p:spPr/>
+      </p:sp>
+      <p:sp>
+        <p:nvSpPr>
+          <p:cNvPr id="3" name="Notes Placeholder 2"/>
+          <p:cNvSpPr>
+            <a:spLocks noGrp="1"/>
+          </p:cNvSpPr>
+          <p:nvPr>
+            <p:ph type="body" idx="1"/>
+          </p:nvPr>
+        </p:nvSpPr>
+        <p:spPr/>
+        <p:txBody>
+          <a:bodyPr/>
+          <a:lstStyle/>
+          <a:p>
+            <a:pPr marL="0" marR="0" lvl="0" indent="0" algn="l" defTabSz="914400" rtl="0" eaLnBrk="1" fontAlgn="auto" latinLnBrk="0" hangingPunct="1">
+              <a:lnSpc>
+                <a:spcPct val="100000"/>
+              </a:lnSpc>
+              <a:spcBef>
+                <a:spcPts val="0"/>
+              </a:spcBef>
+              <a:spcAft>
+                <a:spcPts val="0"/>
+              </a:spcAft>
+              <a:buClrTx/>
+              <a:buSzTx/>
+              <a:buFontTx/>
+              <a:buNone/>
+              <a:tabLst/>
+              <a:defRPr/>
+            </a:pPr>
+            <a:r>
+              <a:rPr lang="en-US" sz="1200" dirty="0">
+                <a:effectLst/>
+                <a:latin typeface="Calibri" panose="020F0502020204030204" pitchFamily="34" charset="0"/>
+                <a:ea typeface="Calibri" panose="020F0502020204030204" pitchFamily="34" charset="0"/>
+                <a:cs typeface="Arial" panose="020B0604020202020204" pitchFamily="34" charset="0"/>
+              </a:rPr>
+              <a:t>Kostya</a:t>
+            </a:r>
+          </a:p>
+          <a:p>
+            <a:endParaRPr lang="en-US" dirty="0"/>
+          </a:p>
+        </p:txBody>
+      </p:sp>
+      <p:sp>
+        <p:nvSpPr>
+          <p:cNvPr id="4" name="Slide Number Placeholder 3"/>
+          <p:cNvSpPr>
+            <a:spLocks noGrp="1"/>
+          </p:cNvSpPr>
+          <p:nvPr>
+            <p:ph type="sldNum" sz="quarter" idx="5"/>
+          </p:nvPr>
+        </p:nvSpPr>
+        <p:spPr/>
+        <p:txBody>
+          <a:bodyPr/>
+          <a:lstStyle/>
+          <a:p>
+            <a:fld id="{B6C9A177-B583-4561-AADE-D5EE6023D4EA}" type="slidenum">
+              <a:rPr lang="en-IL" smtClean="0"/>
+              <a:t>23</a:t>
+            </a:fld>
+            <a:endParaRPr lang="en-IL"/>
+          </a:p>
+        </p:txBody>
+      </p:sp>
+    </p:spTree>
+    <p:extLst>
+      <p:ext uri="{BB962C8B-B14F-4D97-AF65-F5344CB8AC3E}">
+        <p14:creationId xmlns:p14="http://schemas.microsoft.com/office/powerpoint/2010/main" val="1790595156"/>
       </p:ext>
     </p:extLst>
   </p:cSld>
@@ -1739,7 +2428,25 @@
                 <a:ea typeface="Calibri" panose="020F0502020204030204" pitchFamily="34" charset="0"/>
                 <a:cs typeface="Arial" panose="020B0604020202020204" pitchFamily="34" charset="0"/>
               </a:rPr>
-              <a:t>Kostya</a:t>
+              <a:t>We based on the previous work’s of </a:t>
+            </a:r>
+            <a:r>
+              <a:rPr lang="en-US" sz="1800" dirty="0" err="1">
+                <a:effectLst/>
+                <a:latin typeface="Calibri" panose="020F0502020204030204" pitchFamily="34" charset="0"/>
+                <a:ea typeface="Calibri" panose="020F0502020204030204" pitchFamily="34" charset="0"/>
+                <a:cs typeface="Arial" panose="020B0604020202020204" pitchFamily="34" charset="0"/>
+              </a:rPr>
+              <a:t>Zeev</a:t>
+            </a:r>
+            <a:r>
+              <a:rPr lang="en-US" sz="1800" dirty="0">
+                <a:effectLst/>
+                <a:latin typeface="Calibri" panose="020F0502020204030204" pitchFamily="34" charset="0"/>
+                <a:ea typeface="Calibri" panose="020F0502020204030204" pitchFamily="34" charset="0"/>
+                <a:cs typeface="Arial" panose="020B0604020202020204" pitchFamily="34" charset="0"/>
+              </a:rPr>
+              <a:t> where he used the tweets approach to the similar problem in Arabic texts</a:t>
             </a:r>
           </a:p>
           <a:p>
@@ -1760,12 +2467,15 @@
               <a:tabLst/>
               <a:defRPr/>
             </a:pPr>
-            <a:endParaRPr lang="en-US" sz="1800" dirty="0">
-              <a:effectLst/>
-              <a:latin typeface="Calibri" panose="020F0502020204030204" pitchFamily="34" charset="0"/>
-              <a:ea typeface="Calibri" panose="020F0502020204030204" pitchFamily="34" charset="0"/>
-              <a:cs typeface="Arial" panose="020B0604020202020204" pitchFamily="34" charset="0"/>
-            </a:endParaRPr>
+            <a:r>
+              <a:rPr lang="en-US" sz="1800" dirty="0">
+                <a:effectLst/>
+                <a:latin typeface="Calibri" panose="020F0502020204030204" pitchFamily="34" charset="0"/>
+                <a:ea typeface="Calibri" panose="020F0502020204030204" pitchFamily="34" charset="0"/>
+                <a:cs typeface="Arial" panose="020B0604020202020204" pitchFamily="34" charset="0"/>
+              </a:rPr>
+              <a:t>And Moshe Koppel, which tested the Impostors method in his work</a:t>
+            </a:r>
           </a:p>
         </p:txBody>
       </p:sp>
@@ -1873,7 +2583,7 @@
                 <a:ea typeface="Calibri" panose="020F0502020204030204" pitchFamily="34" charset="0"/>
                 <a:cs typeface="Arial" panose="020B0604020202020204" pitchFamily="34" charset="0"/>
               </a:rPr>
-              <a:t>Kostya</a:t>
+              <a:t>And finally, we have built our Plagiarism Detection Tool</a:t>
             </a:r>
           </a:p>
           <a:p>
@@ -1894,12 +2604,33 @@
               <a:tabLst/>
               <a:defRPr/>
             </a:pPr>
-            <a:endParaRPr lang="en-US" sz="1800" dirty="0">
-              <a:effectLst/>
-              <a:latin typeface="Calibri" panose="020F0502020204030204" pitchFamily="34" charset="0"/>
-              <a:ea typeface="Calibri" panose="020F0502020204030204" pitchFamily="34" charset="0"/>
-              <a:cs typeface="Arial" panose="020B0604020202020204" pitchFamily="34" charset="0"/>
-            </a:endParaRPr>
+            <a:r>
+              <a:rPr lang="en-US" sz="1800" dirty="0">
+                <a:effectLst/>
+                <a:latin typeface="Calibri" panose="020F0502020204030204" pitchFamily="34" charset="0"/>
+                <a:ea typeface="Calibri" panose="020F0502020204030204" pitchFamily="34" charset="0"/>
+                <a:cs typeface="Arial" panose="020B0604020202020204" pitchFamily="34" charset="0"/>
+              </a:rPr>
+              <a:t>It contains an easy to use web-based Graphical Interface and very strong CNN-</a:t>
+            </a:r>
+            <a:r>
+              <a:rPr lang="en-US" sz="1800" dirty="0" err="1">
+                <a:effectLst/>
+                <a:latin typeface="Calibri" panose="020F0502020204030204" pitchFamily="34" charset="0"/>
+                <a:ea typeface="Calibri" panose="020F0502020204030204" pitchFamily="34" charset="0"/>
+                <a:cs typeface="Arial" panose="020B0604020202020204" pitchFamily="34" charset="0"/>
+              </a:rPr>
+              <a:t>BiLSTM</a:t>
+            </a:r>
+            <a:r>
+              <a:rPr lang="en-US" sz="1800" dirty="0">
+                <a:effectLst/>
+                <a:latin typeface="Calibri" panose="020F0502020204030204" pitchFamily="34" charset="0"/>
+                <a:ea typeface="Calibri" panose="020F0502020204030204" pitchFamily="34" charset="0"/>
+                <a:cs typeface="Arial" panose="020B0604020202020204" pitchFamily="34" charset="0"/>
+              </a:rPr>
+              <a:t> Ensemble model</a:t>
+            </a:r>
           </a:p>
         </p:txBody>
       </p:sp>
@@ -1983,34 +2714,6 @@
           <a:bodyPr/>
           <a:lstStyle/>
           <a:p>
-            <a:pPr marL="0" marR="0" lvl="0" indent="0" algn="l" defTabSz="914400" rtl="0" eaLnBrk="1" fontAlgn="auto" latinLnBrk="0" hangingPunct="1">
-              <a:lnSpc>
-                <a:spcPct val="107000"/>
-              </a:lnSpc>
-              <a:spcBef>
-                <a:spcPts val="0"/>
-              </a:spcBef>
-              <a:spcAft>
-                <a:spcPts val="800"/>
-              </a:spcAft>
-              <a:buClrTx/>
-              <a:buSzTx/>
-              <a:buFontTx/>
-              <a:buNone/>
-              <a:tabLst/>
-              <a:defRPr/>
-            </a:pPr>
-            <a:r>
-              <a:rPr lang="en-US" sz="1800" dirty="0">
-                <a:effectLst/>
-                <a:latin typeface="Calibri" panose="020F0502020204030204" pitchFamily="34" charset="0"/>
-                <a:ea typeface="Calibri" panose="020F0502020204030204" pitchFamily="34" charset="0"/>
-                <a:cs typeface="Arial" panose="020B0604020202020204" pitchFamily="34" charset="0"/>
-              </a:rPr>
-              <a:t>Kostya</a:t>
-            </a:r>
-          </a:p>
-          <a:p>
             <a:pPr marL="0" marR="0">
               <a:lnSpc>
                 <a:spcPct val="107000"/>
@@ -2022,12 +2725,103 @@
                 <a:spcPts val="800"/>
               </a:spcAft>
             </a:pPr>
-            <a:endParaRPr lang="en-US" sz="1800" dirty="0">
-              <a:effectLst/>
-              <a:latin typeface="Calibri" panose="020F0502020204030204" pitchFamily="34" charset="0"/>
-              <a:ea typeface="Calibri" panose="020F0502020204030204" pitchFamily="34" charset="0"/>
-              <a:cs typeface="Arial" panose="020B0604020202020204" pitchFamily="34" charset="0"/>
-            </a:endParaRPr>
+            <a:r>
+              <a:rPr lang="en-US" sz="1800" dirty="0">
+                <a:effectLst/>
+                <a:latin typeface="Calibri" panose="020F0502020204030204" pitchFamily="34" charset="0"/>
+                <a:ea typeface="Calibri" panose="020F0502020204030204" pitchFamily="34" charset="0"/>
+                <a:cs typeface="Arial" panose="020B0604020202020204" pitchFamily="34" charset="0"/>
+              </a:rPr>
+              <a:t>So, a bit about what Impostors’ method is:</a:t>
+            </a:r>
+          </a:p>
+          <a:p>
+            <a:pPr marL="0" marR="0">
+              <a:lnSpc>
+                <a:spcPct val="107000"/>
+              </a:lnSpc>
+              <a:spcBef>
+                <a:spcPts val="0"/>
+              </a:spcBef>
+              <a:spcAft>
+                <a:spcPts val="800"/>
+              </a:spcAft>
+            </a:pPr>
+            <a:r>
+              <a:rPr lang="en-US" sz="1800" dirty="0">
+                <a:effectLst/>
+                <a:latin typeface="Calibri" panose="020F0502020204030204" pitchFamily="34" charset="0"/>
+                <a:ea typeface="Calibri" panose="020F0502020204030204" pitchFamily="34" charset="0"/>
+                <a:cs typeface="Arial" panose="020B0604020202020204" pitchFamily="34" charset="0"/>
+              </a:rPr>
+              <a:t>Basically impostor it’s an another author with his genuine creations</a:t>
+            </a:r>
+          </a:p>
+          <a:p>
+            <a:pPr marL="0" marR="0">
+              <a:lnSpc>
+                <a:spcPct val="107000"/>
+              </a:lnSpc>
+              <a:spcBef>
+                <a:spcPts val="0"/>
+              </a:spcBef>
+              <a:spcAft>
+                <a:spcPts val="800"/>
+              </a:spcAft>
+            </a:pPr>
+            <a:r>
+              <a:rPr lang="en-US" sz="1800" dirty="0">
+                <a:effectLst/>
+                <a:latin typeface="Calibri" panose="020F0502020204030204" pitchFamily="34" charset="0"/>
+                <a:ea typeface="Calibri" panose="020F0502020204030204" pitchFamily="34" charset="0"/>
+                <a:cs typeface="Arial" panose="020B0604020202020204" pitchFamily="34" charset="0"/>
+              </a:rPr>
+              <a:t>Our input is two Impostors</a:t>
+            </a:r>
+          </a:p>
+          <a:p>
+            <a:pPr marL="0" marR="0">
+              <a:lnSpc>
+                <a:spcPct val="107000"/>
+              </a:lnSpc>
+              <a:spcBef>
+                <a:spcPts val="0"/>
+              </a:spcBef>
+              <a:spcAft>
+                <a:spcPts val="800"/>
+              </a:spcAft>
+            </a:pPr>
+            <a:r>
+              <a:rPr lang="en-US" sz="1800" dirty="0">
+                <a:effectLst/>
+                <a:latin typeface="Calibri" panose="020F0502020204030204" pitchFamily="34" charset="0"/>
+                <a:ea typeface="Calibri" panose="020F0502020204030204" pitchFamily="34" charset="0"/>
+                <a:cs typeface="Arial" panose="020B0604020202020204" pitchFamily="34" charset="0"/>
+              </a:rPr>
+              <a:t>And our output is classification of all the given works of accused author and his accused creation</a:t>
+            </a:r>
+          </a:p>
+          <a:p>
+            <a:pPr marL="0" marR="0">
+              <a:lnSpc>
+                <a:spcPct val="107000"/>
+              </a:lnSpc>
+              <a:spcBef>
+                <a:spcPts val="0"/>
+              </a:spcBef>
+              <a:spcAft>
+                <a:spcPts val="800"/>
+              </a:spcAft>
+            </a:pPr>
+            <a:r>
+              <a:rPr lang="en-US" sz="1800" dirty="0">
+                <a:effectLst/>
+                <a:latin typeface="Calibri" panose="020F0502020204030204" pitchFamily="34" charset="0"/>
+                <a:ea typeface="Calibri" panose="020F0502020204030204" pitchFamily="34" charset="0"/>
+                <a:cs typeface="Arial" panose="020B0604020202020204" pitchFamily="34" charset="0"/>
+              </a:rPr>
+              <a:t>We also assume that other his works are genuine</a:t>
+            </a:r>
           </a:p>
         </p:txBody>
       </p:sp>
@@ -2111,31 +2905,71 @@
           <a:bodyPr/>
           <a:lstStyle/>
           <a:p>
-            <a:pPr marL="0" marR="0" lvl="0" indent="0" algn="l" defTabSz="914400" rtl="0" eaLnBrk="1" fontAlgn="auto" latinLnBrk="0" hangingPunct="1">
-              <a:lnSpc>
-                <a:spcPct val="100000"/>
-              </a:lnSpc>
-              <a:spcBef>
-                <a:spcPts val="0"/>
-              </a:spcBef>
-              <a:spcAft>
-                <a:spcPts val="0"/>
-              </a:spcAft>
-              <a:buClrTx/>
-              <a:buSzTx/>
-              <a:buFontTx/>
-              <a:buNone/>
-              <a:tabLst/>
-              <a:defRPr/>
-            </a:pPr>
-            <a:r>
-              <a:rPr lang="en-US" sz="1200" dirty="0">
-                <a:effectLst/>
-                <a:latin typeface="Calibri" panose="020F0502020204030204" pitchFamily="34" charset="0"/>
-                <a:ea typeface="Calibri" panose="020F0502020204030204" pitchFamily="34" charset="0"/>
-                <a:cs typeface="Arial" panose="020B0604020202020204" pitchFamily="34" charset="0"/>
-              </a:rPr>
-              <a:t>Kostya</a:t>
+            <a:r>
+              <a:rPr lang="en-US" dirty="0"/>
+              <a:t>I'll give a short overview on libraries we used:</a:t>
+            </a:r>
+          </a:p>
+          <a:p>
+            <a:r>
+              <a:rPr lang="en-US" dirty="0" err="1"/>
+              <a:t>Tensorflow</a:t>
+            </a:r>
+            <a:r>
+              <a:rPr lang="en-US" dirty="0"/>
+              <a:t> and </a:t>
+            </a:r>
+            <a:r>
+              <a:rPr lang="en-US" dirty="0" err="1"/>
+              <a:t>Keras</a:t>
+            </a:r>
+            <a:r>
+              <a:rPr lang="en-US" dirty="0"/>
+              <a:t> were used to build our model from a scratch</a:t>
+            </a:r>
+          </a:p>
+          <a:p>
+            <a:r>
+              <a:rPr lang="en-US" dirty="0" err="1"/>
+              <a:t>Mlxtend</a:t>
+            </a:r>
+            <a:r>
+              <a:rPr lang="en-US" dirty="0"/>
+              <a:t> was used to built an Ensemble model</a:t>
+            </a:r>
+          </a:p>
+          <a:p>
+            <a:r>
+              <a:rPr lang="en-US" dirty="0" err="1"/>
+              <a:t>Dtaidistance</a:t>
+            </a:r>
+            <a:r>
+              <a:rPr lang="en-US" dirty="0"/>
+              <a:t> is an open-source library for calculating DTW distance between impostors</a:t>
+            </a:r>
+          </a:p>
+          <a:p>
+            <a:r>
+              <a:rPr lang="en-US" dirty="0" err="1"/>
+              <a:t>statsmodel</a:t>
+            </a:r>
+            <a:r>
+              <a:rPr lang="en-US" dirty="0"/>
+              <a:t> library was used to compute the z-test and p-value</a:t>
+            </a:r>
+          </a:p>
+          <a:p>
+            <a:r>
+              <a:rPr lang="en-US" dirty="0"/>
+              <a:t>And finally </a:t>
+            </a:r>
+            <a:r>
+              <a:rPr lang="en-US" dirty="0" err="1"/>
+              <a:t>Streamlit</a:t>
+            </a:r>
+            <a:r>
+              <a:rPr lang="en-US" dirty="0"/>
+              <a:t> is an awesome library to build Graphical Interfaces for Data Science needs</a:t>
             </a:r>
           </a:p>
           <a:p>
@@ -2223,34 +3057,6 @@
           <a:bodyPr/>
           <a:lstStyle/>
           <a:p>
-            <a:pPr marL="0" marR="0" lvl="0" indent="0" algn="l" defTabSz="914400" rtl="0" eaLnBrk="1" fontAlgn="auto" latinLnBrk="0" hangingPunct="1">
-              <a:lnSpc>
-                <a:spcPct val="107000"/>
-              </a:lnSpc>
-              <a:spcBef>
-                <a:spcPts val="0"/>
-              </a:spcBef>
-              <a:spcAft>
-                <a:spcPts val="800"/>
-              </a:spcAft>
-              <a:buClrTx/>
-              <a:buSzTx/>
-              <a:buFontTx/>
-              <a:buNone/>
-              <a:tabLst/>
-              <a:defRPr/>
-            </a:pPr>
-            <a:r>
-              <a:rPr lang="en-US" sz="1800" dirty="0">
-                <a:effectLst/>
-                <a:latin typeface="Calibri" panose="020F0502020204030204" pitchFamily="34" charset="0"/>
-                <a:ea typeface="Calibri" panose="020F0502020204030204" pitchFamily="34" charset="0"/>
-                <a:cs typeface="Arial" panose="020B0604020202020204" pitchFamily="34" charset="0"/>
-              </a:rPr>
-              <a:t>Kostya</a:t>
-            </a:r>
-          </a:p>
-          <a:p>
             <a:pPr marL="0" marR="0">
               <a:lnSpc>
                 <a:spcPct val="107000"/>
@@ -2262,12 +3068,82 @@
                 <a:spcPts val="800"/>
               </a:spcAft>
             </a:pPr>
-            <a:endParaRPr lang="en-US" sz="1800" dirty="0">
-              <a:effectLst/>
-              <a:latin typeface="Calibri" panose="020F0502020204030204" pitchFamily="34" charset="0"/>
-              <a:ea typeface="Calibri" panose="020F0502020204030204" pitchFamily="34" charset="0"/>
-              <a:cs typeface="Arial" panose="020B0604020202020204" pitchFamily="34" charset="0"/>
-            </a:endParaRPr>
+            <a:r>
+              <a:rPr lang="en-US" sz="1800" dirty="0">
+                <a:effectLst/>
+                <a:latin typeface="Calibri" panose="020F0502020204030204" pitchFamily="34" charset="0"/>
+                <a:ea typeface="Calibri" panose="020F0502020204030204" pitchFamily="34" charset="0"/>
+                <a:cs typeface="Arial" panose="020B0604020202020204" pitchFamily="34" charset="0"/>
+              </a:rPr>
+              <a:t>NLTK and PyMystem3 were used for text preprocessing and for embedding we used </a:t>
+            </a:r>
+            <a:r>
+              <a:rPr lang="en-US" sz="1800" dirty="0" err="1">
+                <a:effectLst/>
+                <a:latin typeface="Calibri" panose="020F0502020204030204" pitchFamily="34" charset="0"/>
+                <a:ea typeface="Calibri" panose="020F0502020204030204" pitchFamily="34" charset="0"/>
+                <a:cs typeface="Arial" panose="020B0604020202020204" pitchFamily="34" charset="0"/>
+              </a:rPr>
+              <a:t>ELMo</a:t>
+            </a:r>
+            <a:r>
+              <a:rPr lang="en-US" sz="1800" dirty="0">
+                <a:effectLst/>
+                <a:latin typeface="Calibri" panose="020F0502020204030204" pitchFamily="34" charset="0"/>
+                <a:ea typeface="Calibri" panose="020F0502020204030204" pitchFamily="34" charset="0"/>
+                <a:cs typeface="Arial" panose="020B0604020202020204" pitchFamily="34" charset="0"/>
+              </a:rPr>
+              <a:t> with </a:t>
+            </a:r>
+            <a:r>
+              <a:rPr lang="en-US" sz="1800" dirty="0" err="1">
+                <a:effectLst/>
+                <a:latin typeface="Calibri" panose="020F0502020204030204" pitchFamily="34" charset="0"/>
+                <a:ea typeface="Calibri" panose="020F0502020204030204" pitchFamily="34" charset="0"/>
+                <a:cs typeface="Arial" panose="020B0604020202020204" pitchFamily="34" charset="0"/>
+              </a:rPr>
+              <a:t>RusVectores</a:t>
+            </a:r>
+            <a:r>
+              <a:rPr lang="en-US" sz="1800" dirty="0">
+                <a:effectLst/>
+                <a:latin typeface="Calibri" panose="020F0502020204030204" pitchFamily="34" charset="0"/>
+                <a:ea typeface="Calibri" panose="020F0502020204030204" pitchFamily="34" charset="0"/>
+                <a:cs typeface="Arial" panose="020B0604020202020204" pitchFamily="34" charset="0"/>
+              </a:rPr>
+              <a:t> model, pre-trained on over 10 billion words</a:t>
+            </a:r>
+          </a:p>
+          <a:p>
+            <a:pPr marL="0" marR="0">
+              <a:lnSpc>
+                <a:spcPct val="107000"/>
+              </a:lnSpc>
+              <a:spcBef>
+                <a:spcPts val="0"/>
+              </a:spcBef>
+              <a:spcAft>
+                <a:spcPts val="800"/>
+              </a:spcAft>
+            </a:pPr>
+            <a:r>
+              <a:rPr lang="en-US" sz="1800" dirty="0" err="1">
+                <a:effectLst/>
+                <a:latin typeface="Calibri" panose="020F0502020204030204" pitchFamily="34" charset="0"/>
+                <a:ea typeface="Calibri" panose="020F0502020204030204" pitchFamily="34" charset="0"/>
+                <a:cs typeface="Arial" panose="020B0604020202020204" pitchFamily="34" charset="0"/>
+              </a:rPr>
+              <a:t>ELMo</a:t>
+            </a:r>
+            <a:r>
+              <a:rPr lang="en-US" sz="1800" dirty="0">
+                <a:effectLst/>
+                <a:latin typeface="Calibri" panose="020F0502020204030204" pitchFamily="34" charset="0"/>
+                <a:ea typeface="Calibri" panose="020F0502020204030204" pitchFamily="34" charset="0"/>
+                <a:cs typeface="Arial" panose="020B0604020202020204" pitchFamily="34" charset="0"/>
+              </a:rPr>
+              <a:t> well known architecture which takes in account the context meaning and fits our task very well.</a:t>
+            </a:r>
           </a:p>
         </p:txBody>
       </p:sp>
@@ -2435,7 +3311,10 @@
           <a:bodyPr/>
           <a:lstStyle/>
           <a:p>
-            <a:endParaRPr lang="en-IL" dirty="0"/>
+            <a:r>
+              <a:rPr lang="en-IL" dirty="0"/>
+              <a:t>Raz</a:t>
+            </a:r>
           </a:p>
         </p:txBody>
       </p:sp>
@@ -2663,7 +3542,7 @@
           <a:p>
             <a:fld id="{1BE26619-FD3A-4BBF-A2A0-E1FBB680C651}" type="datetime8">
               <a:rPr lang="en-IL" smtClean="0"/>
-              <a:t>10/01/2022 3:16</a:t>
+              <a:t>10/01/2022 10:11</a:t>
             </a:fld>
             <a:endParaRPr lang="en-IL"/>
           </a:p>
@@ -3001,7 +3880,7 @@
           <a:p>
             <a:fld id="{043AD88C-4040-405A-9751-C4BF118224B0}" type="datetime8">
               <a:rPr lang="en-IL" smtClean="0"/>
-              <a:t>10/01/2022 3:16</a:t>
+              <a:t>10/01/2022 10:11</a:t>
             </a:fld>
             <a:endParaRPr lang="en-IL"/>
           </a:p>
@@ -3402,7 +4281,7 @@
           <a:p>
             <a:fld id="{23D500A4-73D1-4765-9761-2171A5F34B86}" type="datetime8">
               <a:rPr lang="en-IL" smtClean="0"/>
-              <a:t>10/01/2022 3:16</a:t>
+              <a:t>10/01/2022 10:11</a:t>
             </a:fld>
             <a:endParaRPr lang="en-IL"/>
           </a:p>
@@ -3738,7 +4617,7 @@
           <a:p>
             <a:fld id="{E7186253-7975-497A-8639-DE84354A30E0}" type="datetime8">
               <a:rPr lang="en-IL" smtClean="0"/>
-              <a:t>10/01/2022 3:16</a:t>
+              <a:t>10/01/2022 10:11</a:t>
             </a:fld>
             <a:endParaRPr lang="en-IL"/>
           </a:p>
@@ -4058,7 +4937,7 @@
           <a:p>
             <a:fld id="{15492DBE-8243-4A39-96F3-12997C00B46B}" type="datetime8">
               <a:rPr lang="en-IL" smtClean="0"/>
-              <a:t>10/01/2022 3:16</a:t>
+              <a:t>10/01/2022 10:11</a:t>
             </a:fld>
             <a:endParaRPr lang="en-IL"/>
           </a:p>
@@ -4454,7 +5333,7 @@
           <a:p>
             <a:fld id="{287E2476-741B-49AF-89E1-F690C9A1F98F}" type="datetime8">
               <a:rPr lang="en-IL" smtClean="0"/>
-              <a:t>10/01/2022 3:16</a:t>
+              <a:t>10/01/2022 10:11</a:t>
             </a:fld>
             <a:endParaRPr lang="en-IL"/>
           </a:p>
@@ -4711,7 +5590,7 @@
           <a:p>
             <a:fld id="{98B16C9C-E3F4-4EA7-AC43-9DA86201FB2E}" type="datetime8">
               <a:rPr lang="en-IL" smtClean="0"/>
-              <a:t>10/01/2022 3:16</a:t>
+              <a:t>10/01/2022 10:11</a:t>
             </a:fld>
             <a:endParaRPr lang="en-IL"/>
           </a:p>
@@ -4973,7 +5852,7 @@
           <a:p>
             <a:fld id="{45BD3651-09F9-4C26-BCD8-A9C0F8B0946D}" type="datetime8">
               <a:rPr lang="en-IL" smtClean="0"/>
-              <a:t>10/01/2022 3:16</a:t>
+              <a:t>10/01/2022 10:11</a:t>
             </a:fld>
             <a:endParaRPr lang="en-IL"/>
           </a:p>
@@ -5235,7 +6114,7 @@
           <a:p>
             <a:fld id="{9D5CA641-8483-4D6B-95CE-3B4ACCED688D}" type="datetime8">
               <a:rPr lang="en-IL" smtClean="0"/>
-              <a:t>10/01/2022 3:16</a:t>
+              <a:t>10/01/2022 10:11</a:t>
             </a:fld>
             <a:endParaRPr lang="en-IL"/>
           </a:p>
@@ -5564,7 +6443,7 @@
           <a:p>
             <a:fld id="{A9E8FF0D-8981-46D5-A7A6-FAB6F51C94F1}" type="datetime8">
               <a:rPr lang="en-IL" smtClean="0"/>
-              <a:t>10/01/2022 3:16</a:t>
+              <a:t>10/01/2022 10:11</a:t>
             </a:fld>
             <a:endParaRPr lang="en-IL"/>
           </a:p>
@@ -5887,7 +6766,7 @@
           <a:p>
             <a:fld id="{84541FD9-12BD-44A4-BE63-EB2FB53ED75B}" type="datetime8">
               <a:rPr lang="en-IL" smtClean="0"/>
-              <a:t>10/01/2022 3:16</a:t>
+              <a:t>10/01/2022 10:11</a:t>
             </a:fld>
             <a:endParaRPr lang="en-IL"/>
           </a:p>
@@ -6344,7 +7223,7 @@
           <a:p>
             <a:fld id="{8B725A0C-0C91-4B28-A2AC-A2D8264CCDD6}" type="datetime8">
               <a:rPr lang="en-IL" smtClean="0"/>
-              <a:t>10/01/2022 3:16</a:t>
+              <a:t>10/01/2022 10:11</a:t>
             </a:fld>
             <a:endParaRPr lang="en-IL"/>
           </a:p>
@@ -6549,7 +7428,7 @@
           <a:p>
             <a:fld id="{DE1E5A11-9D79-4A6B-8D28-6E8FAB494B73}" type="datetime8">
               <a:rPr lang="en-IL" smtClean="0"/>
-              <a:t>10/01/2022 3:16</a:t>
+              <a:t>10/01/2022 10:11</a:t>
             </a:fld>
             <a:endParaRPr lang="en-IL"/>
           </a:p>
@@ -6726,7 +7605,7 @@
           <a:p>
             <a:fld id="{9F9C72A4-4A29-4B20-BFB4-785E6F7B8515}" type="datetime8">
               <a:rPr lang="en-IL" smtClean="0"/>
-              <a:t>10/01/2022 3:16</a:t>
+              <a:t>10/01/2022 10:11</a:t>
             </a:fld>
             <a:endParaRPr lang="en-IL"/>
           </a:p>
@@ -7059,7 +7938,7 @@
           <a:p>
             <a:fld id="{01E4CC4F-14FD-4F83-A5BD-D137CE77FB06}" type="datetime8">
               <a:rPr lang="en-IL" smtClean="0"/>
-              <a:t>10/01/2022 3:16</a:t>
+              <a:t>10/01/2022 10:11</a:t>
             </a:fld>
             <a:endParaRPr lang="en-IL"/>
           </a:p>
@@ -7404,7 +8283,7 @@
           <a:p>
             <a:fld id="{4CBEB50E-AF71-476A-A62B-381B28A5D93A}" type="datetime8">
               <a:rPr lang="en-IL" smtClean="0"/>
-              <a:t>10/01/2022 3:16</a:t>
+              <a:t>10/01/2022 10:11</a:t>
             </a:fld>
             <a:endParaRPr lang="en-IL"/>
           </a:p>
@@ -9521,7 +10400,7 @@
           <a:p>
             <a:fld id="{6DF0248B-9949-4ED7-8310-5E74FA75B7A3}" type="datetime8">
               <a:rPr lang="en-IL" smtClean="0"/>
-              <a:t>10/01/2022 3:16</a:t>
+              <a:t>10/01/2022 10:11</a:t>
             </a:fld>
             <a:endParaRPr lang="en-IL"/>
           </a:p>
@@ -10480,8 +11359,8 @@
           </a:p>
         </p:txBody>
       </p:sp>
-      <mc:AlternateContent xmlns:mc="http://schemas.openxmlformats.org/markup-compatibility/2006" xmlns:a14="http://schemas.microsoft.com/office/drawing/2010/main">
-        <mc:Choice Requires="a14">
+      <mc:AlternateContent xmlns:mc="http://schemas.openxmlformats.org/markup-compatibility/2006">
+        <mc:Choice xmlns:a14="http://schemas.microsoft.com/office/drawing/2010/main" Requires="a14">
           <p:sp>
             <p:nvSpPr>
               <p:cNvPr id="3" name="Content Placeholder 2">
@@ -10780,7 +11659,7 @@
                       <a:schemeClr val="tx1"/>
                     </a:solidFill>
                   </a:rPr>
-                  <a:t>Soft-Max layer to produce final probabilities of the classifications</a:t>
+                  <a:t>Soft-Max layer to produce final classifications</a:t>
                 </a:r>
               </a:p>
               <a:p>
@@ -10826,7 +11705,7 @@
             </p:txBody>
           </p:sp>
         </mc:Choice>
-        <mc:Fallback xmlns="">
+        <mc:Fallback>
           <p:sp>
             <p:nvSpPr>
               <p:cNvPr id="3" name="Content Placeholder 2">
@@ -10851,7 +11730,7 @@
               <a:blipFill>
                 <a:blip r:embed="rId3"/>
                 <a:stretch>
-                  <a:fillRect l="-586"/>
+                  <a:fillRect l="-541"/>
                 </a:stretch>
               </a:blipFill>
             </p:spPr>
@@ -10860,7 +11739,7 @@
               <a:lstStyle/>
               <a:p>
                 <a:r>
-                  <a:rPr lang="en-US">
+                  <a:rPr lang="en-IL">
                     <a:noFill/>
                   </a:rPr>
                   <a:t> </a:t>
@@ -10949,7 +11828,7 @@
         </p:blipFill>
         <p:spPr>
           <a:xfrm>
-            <a:off x="2350007" y="1555423"/>
+            <a:off x="2350009" y="1555423"/>
             <a:ext cx="9376555" cy="4932459"/>
           </a:xfrm>
           <a:prstGeom prst="rect">
@@ -11627,40 +12506,6 @@
           </a:p>
         </p:txBody>
       </p:sp>
-      <p:sp>
-        <p:nvSpPr>
-          <p:cNvPr id="3" name="Content Placeholder 2">
-            <a:extLst>
-              <a:ext uri="{FF2B5EF4-FFF2-40B4-BE49-F238E27FC236}">
-                <a16:creationId xmlns:a16="http://schemas.microsoft.com/office/drawing/2014/main" id="{8B1ADA33-326A-4031-BD57-453E19A8F03A}"/>
-              </a:ext>
-            </a:extLst>
-          </p:cNvPr>
-          <p:cNvSpPr>
-            <a:spLocks noGrp="1"/>
-          </p:cNvSpPr>
-          <p:nvPr>
-            <p:ph idx="1"/>
-          </p:nvPr>
-        </p:nvSpPr>
-        <p:spPr>
-          <a:xfrm>
-            <a:off x="2340864" y="1554480"/>
-            <a:ext cx="8878824" cy="4356742"/>
-          </a:xfrm>
-        </p:spPr>
-        <p:txBody>
-          <a:bodyPr/>
-          <a:lstStyle/>
-          <a:p>
-            <a:endParaRPr lang="en-IL" dirty="0">
-              <a:solidFill>
-                <a:schemeClr val="tx1"/>
-              </a:solidFill>
-            </a:endParaRPr>
-          </a:p>
-        </p:txBody>
-      </p:sp>
       <p:pic>
         <p:nvPicPr>
           <p:cNvPr id="4" name="image9.png">
@@ -11674,7 +12519,7 @@
           <p:nvPr/>
         </p:nvPicPr>
         <p:blipFill>
-          <a:blip r:embed="rId2"/>
+          <a:blip r:embed="rId3"/>
           <a:srcRect/>
           <a:stretch>
             <a:fillRect/>
@@ -11682,7 +12527,7 @@
         </p:blipFill>
         <p:spPr>
           <a:xfrm>
-            <a:off x="2355377" y="1568994"/>
+            <a:off x="2340865" y="1554480"/>
             <a:ext cx="9438345" cy="4679410"/>
           </a:xfrm>
           <a:prstGeom prst="rect">
@@ -15736,7 +16581,7 @@
         <p:spPr>
           <a:xfrm>
             <a:off x="2350008" y="1554480"/>
-            <a:ext cx="9154604" cy="4316384"/>
+            <a:ext cx="9841992" cy="4316384"/>
           </a:xfrm>
         </p:spPr>
         <p:txBody>
@@ -22182,7 +23027,7 @@
               </a:spcBef>
             </a:pPr>
             <a:r>
-              <a:rPr lang="en-US" dirty="0">
+              <a:rPr lang="en-US" sz="2000" dirty="0">
                 <a:solidFill>
                   <a:schemeClr val="tx1"/>
                 </a:solidFill>
@@ -22197,12 +23042,12 @@
               </a:spcBef>
             </a:pPr>
             <a:r>
-              <a:rPr lang="en-US" dirty="0">
+              <a:rPr lang="en-US" sz="2000" dirty="0">
                 <a:solidFill>
                   <a:schemeClr val="tx1"/>
                 </a:solidFill>
               </a:rPr>
-              <a:t>Input of each iteration – Creations of a pair of authors( A and B, C and D etc.)</a:t>
+              <a:t>Input of each iteration – Creations of a pair of authors</a:t>
             </a:r>
           </a:p>
           <a:p>
@@ -22212,7 +23057,7 @@
               </a:spcBef>
             </a:pPr>
             <a:r>
-              <a:rPr lang="en-US" dirty="0">
+              <a:rPr lang="en-US" sz="2000" dirty="0">
                 <a:solidFill>
                   <a:schemeClr val="tx1"/>
                 </a:solidFill>
@@ -22227,7 +23072,7 @@
               </a:spcBef>
             </a:pPr>
             <a:r>
-              <a:rPr lang="en-US" dirty="0">
+              <a:rPr lang="en-US" sz="2000" dirty="0">
                 <a:solidFill>
                   <a:schemeClr val="tx1"/>
                 </a:solidFill>
@@ -22242,7 +23087,7 @@
               </a:spcBef>
             </a:pPr>
             <a:r>
-              <a:rPr lang="en-US" dirty="0">
+              <a:rPr lang="en-US" sz="2000" dirty="0">
                 <a:solidFill>
                   <a:schemeClr val="tx1"/>
                 </a:solidFill>
@@ -22448,12 +23293,8 @@
               </a:spcBef>
             </a:pPr>
             <a:r>
-              <a:rPr lang="en-US" dirty="0" err="1">
-                <a:solidFill>
-                  <a:schemeClr val="tx1"/>
-                </a:solidFill>
-              </a:rPr>
-              <a:t>Scipy.stats</a:t>
+              <a:rPr lang="en-US" dirty="0" err="1"/>
+              <a:t>statsmodels</a:t>
             </a:r>
             <a:r>
               <a:rPr lang="en-US" dirty="0">
@@ -22948,6 +23789,12 @@
             </a:r>
           </a:p>
           <a:p>
+            <a:pPr marL="0" indent="0">
+              <a:buNone/>
+            </a:pPr>
+            <a:endParaRPr lang="en-US" dirty="0"/>
+          </a:p>
+          <a:p>
             <a:r>
               <a:rPr lang="en-US" dirty="0"/>
               <a:t>Simply calculating the Euclidian distance will not do:</a:t>
@@ -22966,6 +23813,12 @@
               <a:rPr lang="en-US" dirty="0"/>
               <a:t>They may not be in perfect sync</a:t>
             </a:r>
+          </a:p>
+          <a:p>
+            <a:pPr marL="457200" lvl="1" indent="0">
+              <a:buNone/>
+            </a:pPr>
+            <a:endParaRPr lang="en-US" dirty="0"/>
           </a:p>
           <a:p>
             <a:r>
